--- a/文档相关/演示.pptx
+++ b/文档相关/演示.pptx
@@ -5,7 +5,7 @@
     <p:sldMasterId id="2147483648" r:id="rId1"/>
   </p:sldMasterIdLst>
   <p:notesMasterIdLst>
-    <p:notesMasterId r:id="rId23"/>
+    <p:notesMasterId r:id="rId32"/>
   </p:notesMasterIdLst>
   <p:sldIdLst>
     <p:sldId id="256" r:id="rId2"/>
@@ -29,6 +29,15 @@
     <p:sldId id="274" r:id="rId20"/>
     <p:sldId id="275" r:id="rId21"/>
     <p:sldId id="276" r:id="rId22"/>
+    <p:sldId id="278" r:id="rId23"/>
+    <p:sldId id="277" r:id="rId24"/>
+    <p:sldId id="279" r:id="rId25"/>
+    <p:sldId id="280" r:id="rId26"/>
+    <p:sldId id="281" r:id="rId27"/>
+    <p:sldId id="282" r:id="rId28"/>
+    <p:sldId id="283" r:id="rId29"/>
+    <p:sldId id="284" r:id="rId30"/>
+    <p:sldId id="285" r:id="rId31"/>
   </p:sldIdLst>
   <p:sldSz cx="13004800" cy="9753600"/>
   <p:notesSz cx="6858000" cy="9144000"/>
@@ -330,6 +339,11 @@
       </a:defRPr>
     </a:lvl9pPr>
   </p:defaultTextStyle>
+  <p:extLst>
+    <p:ext uri="{EFAFB233-063F-42B5-8137-9DF3F51BA10A}">
+      <p15:sldGuideLst xmlns:p15="http://schemas.microsoft.com/office/powerpoint/2012/main"/>
+    </p:ext>
+  </p:extLst>
 </p:presentation>
 </file>
 
@@ -3840,7 +3854,7 @@
           </a:ln>
           <a:extLst>
             <a:ext uri="{C572A759-6A51-4108-AA02-DFA0A04FC94B}">
-              <ma14:wrappingTextBoxFlag xmlns:ma14="http://schemas.microsoft.com/office/mac/drawingml/2011/main" val="1"/>
+              <ma14:wrappingTextBoxFlag xmlns:ma14="http://schemas.microsoft.com/office/mac/drawingml/2011/main" xmlns="" val="1"/>
             </a:ext>
           </a:extLst>
         </p:spPr>
@@ -3879,7 +3893,7 @@
           </a:ln>
           <a:extLst>
             <a:ext uri="{C572A759-6A51-4108-AA02-DFA0A04FC94B}">
-              <ma14:wrappingTextBoxFlag xmlns:ma14="http://schemas.microsoft.com/office/mac/drawingml/2011/main" val="1"/>
+              <ma14:wrappingTextBoxFlag xmlns:ma14="http://schemas.microsoft.com/office/mac/drawingml/2011/main" xmlns="" val="1"/>
             </a:ext>
           </a:extLst>
         </p:spPr>
@@ -5280,7 +5294,7 @@
           </a:ln>
           <a:extLst>
             <a:ext uri="{C572A759-6A51-4108-AA02-DFA0A04FC94B}">
-              <ma14:wrappingTextBoxFlag xmlns:ma14="http://schemas.microsoft.com/office/mac/drawingml/2011/main" val="1"/>
+              <ma14:wrappingTextBoxFlag xmlns:ma14="http://schemas.microsoft.com/office/mac/drawingml/2011/main" xmlns="" val="1"/>
             </a:ext>
           </a:extLst>
         </p:spPr>
@@ -5326,7 +5340,7 @@
           </a:ln>
           <a:extLst>
             <a:ext uri="{C572A759-6A51-4108-AA02-DFA0A04FC94B}">
-              <ma14:wrappingTextBoxFlag xmlns:ma14="http://schemas.microsoft.com/office/mac/drawingml/2011/main" val="1"/>
+              <ma14:wrappingTextBoxFlag xmlns:ma14="http://schemas.microsoft.com/office/mac/drawingml/2011/main" xmlns="" val="1"/>
             </a:ext>
           </a:extLst>
         </p:spPr>
@@ -5379,7 +5393,7 @@
           </a:ln>
           <a:extLst>
             <a:ext uri="{C572A759-6A51-4108-AA02-DFA0A04FC94B}">
-              <ma14:wrappingTextBoxFlag xmlns:ma14="http://schemas.microsoft.com/office/mac/drawingml/2011/main" val="1"/>
+              <ma14:wrappingTextBoxFlag xmlns:ma14="http://schemas.microsoft.com/office/mac/drawingml/2011/main" xmlns="" val="1"/>
             </a:ext>
           </a:extLst>
         </p:spPr>
@@ -6095,7 +6109,7 @@
           </a:ln>
           <a:extLst>
             <a:ext uri="{C572A759-6A51-4108-AA02-DFA0A04FC94B}">
-              <ma14:wrappingTextBoxFlag xmlns:ma14="http://schemas.microsoft.com/office/mac/drawingml/2011/main" val="1"/>
+              <ma14:wrappingTextBoxFlag xmlns:ma14="http://schemas.microsoft.com/office/mac/drawingml/2011/main" xmlns="" val="1"/>
             </a:ext>
           </a:extLst>
         </p:spPr>
@@ -6142,7 +6156,7 @@
           </a:ln>
           <a:extLst>
             <a:ext uri="{C572A759-6A51-4108-AA02-DFA0A04FC94B}">
-              <ma14:wrappingTextBoxFlag xmlns:ma14="http://schemas.microsoft.com/office/mac/drawingml/2011/main" val="1"/>
+              <ma14:wrappingTextBoxFlag xmlns:ma14="http://schemas.microsoft.com/office/mac/drawingml/2011/main" xmlns="" val="1"/>
             </a:ext>
           </a:extLst>
         </p:spPr>
@@ -6266,7 +6280,7 @@
           </a:ln>
           <a:extLst>
             <a:ext uri="{C572A759-6A51-4108-AA02-DFA0A04FC94B}">
-              <ma14:wrappingTextBoxFlag xmlns:ma14="http://schemas.microsoft.com/office/mac/drawingml/2011/main" val="1"/>
+              <ma14:wrappingTextBoxFlag xmlns:ma14="http://schemas.microsoft.com/office/mac/drawingml/2011/main" xmlns="" val="1"/>
             </a:ext>
           </a:extLst>
         </p:spPr>
@@ -6504,7 +6518,7 @@
           </a:ln>
           <a:extLst>
             <a:ext uri="{C572A759-6A51-4108-AA02-DFA0A04FC94B}">
-              <ma14:wrappingTextBoxFlag xmlns:ma14="http://schemas.microsoft.com/office/mac/drawingml/2011/main" val="1"/>
+              <ma14:wrappingTextBoxFlag xmlns:ma14="http://schemas.microsoft.com/office/mac/drawingml/2011/main" xmlns="" val="1"/>
             </a:ext>
           </a:extLst>
         </p:spPr>
@@ -6557,7 +6571,7 @@
           </a:ln>
           <a:extLst>
             <a:ext uri="{C572A759-6A51-4108-AA02-DFA0A04FC94B}">
-              <ma14:wrappingTextBoxFlag xmlns:ma14="http://schemas.microsoft.com/office/mac/drawingml/2011/main" val="1"/>
+              <ma14:wrappingTextBoxFlag xmlns:ma14="http://schemas.microsoft.com/office/mac/drawingml/2011/main" xmlns="" val="1"/>
             </a:ext>
           </a:extLst>
         </p:spPr>
@@ -6757,7 +6771,7 @@
           </a:ln>
           <a:extLst>
             <a:ext uri="{C572A759-6A51-4108-AA02-DFA0A04FC94B}">
-              <ma14:wrappingTextBoxFlag xmlns:ma14="http://schemas.microsoft.com/office/mac/drawingml/2011/main" val="1"/>
+              <ma14:wrappingTextBoxFlag xmlns:ma14="http://schemas.microsoft.com/office/mac/drawingml/2011/main" xmlns="" val="1"/>
             </a:ext>
           </a:extLst>
         </p:spPr>
@@ -7015,7 +7029,7 @@
           </a:ln>
           <a:extLst>
             <a:ext uri="{C572A759-6A51-4108-AA02-DFA0A04FC94B}">
-              <ma14:wrappingTextBoxFlag xmlns:ma14="http://schemas.microsoft.com/office/mac/drawingml/2011/main" val="1"/>
+              <ma14:wrappingTextBoxFlag xmlns:ma14="http://schemas.microsoft.com/office/mac/drawingml/2011/main" xmlns="" val="1"/>
             </a:ext>
           </a:extLst>
         </p:spPr>
@@ -7495,7 +7509,7 @@
           </a:ln>
           <a:extLst>
             <a:ext uri="{C572A759-6A51-4108-AA02-DFA0A04FC94B}">
-              <ma14:wrappingTextBoxFlag xmlns:ma14="http://schemas.microsoft.com/office/mac/drawingml/2011/main" val="1"/>
+              <ma14:wrappingTextBoxFlag xmlns:ma14="http://schemas.microsoft.com/office/mac/drawingml/2011/main" xmlns="" val="1"/>
             </a:ext>
           </a:extLst>
         </p:spPr>
@@ -7729,6 +7743,1133 @@
 </p:sld>
 </file>
 
+<file path=ppt/slides/slide22.xml><?xml version="1.0" encoding="utf-8"?>
+<p:sld xmlns:a="http://schemas.openxmlformats.org/drawingml/2006/main" xmlns:r="http://schemas.openxmlformats.org/officeDocument/2006/relationships" xmlns:p="http://schemas.openxmlformats.org/presentationml/2006/main">
+  <p:cSld>
+    <p:spTree>
+      <p:nvGrpSpPr>
+        <p:cNvPr id="1" name=""/>
+        <p:cNvGrpSpPr/>
+        <p:nvPr/>
+      </p:nvGrpSpPr>
+      <p:grpSpPr>
+        <a:xfrm>
+          <a:off x="0" y="0"/>
+          <a:ext cx="0" cy="0"/>
+          <a:chOff x="0" y="0"/>
+          <a:chExt cx="0" cy="0"/>
+        </a:xfrm>
+      </p:grpSpPr>
+      <p:sp>
+        <p:nvSpPr>
+          <p:cNvPr id="217" name="Shape 217"/>
+          <p:cNvSpPr>
+            <a:spLocks noGrp="1"/>
+          </p:cNvSpPr>
+          <p:nvPr>
+            <p:ph type="ctrTitle"/>
+          </p:nvPr>
+        </p:nvSpPr>
+        <p:spPr>
+          <a:prstGeom prst="rect">
+            <a:avLst/>
+          </a:prstGeom>
+        </p:spPr>
+        <p:txBody>
+          <a:bodyPr/>
+          <a:lstStyle>
+            <a:lvl1pPr>
+              <a:defRPr sz="8000" b="0">
+                <a:latin typeface="冬青黑体简体中文 W6"/>
+                <a:ea typeface="冬青黑体简体中文 W6"/>
+                <a:cs typeface="冬青黑体简体中文 W6"/>
+                <a:sym typeface="冬青黑体简体中文 W6"/>
+              </a:defRPr>
+            </a:lvl1pPr>
+          </a:lstStyle>
+          <a:p>
+            <a:r>
+              <a:rPr lang="zh-CN" altLang="en-US" dirty="0" smtClean="0"/>
+              <a:t>数据</a:t>
+            </a:r>
+            <a:r>
+              <a:rPr dirty="0" smtClean="0"/>
+              <a:t>———</a:t>
+            </a:r>
+            <a:r>
+              <a:rPr lang="en-US" altLang="zh-CN" dirty="0" smtClean="0"/>
+              <a:t>DATA</a:t>
+            </a:r>
+            <a:endParaRPr dirty="0"/>
+          </a:p>
+        </p:txBody>
+      </p:sp>
+    </p:spTree>
+    <p:extLst>
+      <p:ext uri="{BB962C8B-B14F-4D97-AF65-F5344CB8AC3E}">
+        <p14:creationId xmlns:p14="http://schemas.microsoft.com/office/powerpoint/2010/main" val="2289199856"/>
+      </p:ext>
+    </p:extLst>
+  </p:cSld>
+  <p:clrMapOvr>
+    <a:masterClrMapping/>
+  </p:clrMapOvr>
+  <p:transition spd="med"/>
+  <p:timing>
+    <p:tnLst>
+      <p:par>
+        <p:cTn id="1" dur="indefinite" restart="never" nodeType="tmRoot"/>
+      </p:par>
+    </p:tnLst>
+  </p:timing>
+</p:sld>
+</file>
+
+<file path=ppt/slides/slide23.xml><?xml version="1.0" encoding="utf-8"?>
+<p:sld xmlns:a="http://schemas.openxmlformats.org/drawingml/2006/main" xmlns:r="http://schemas.openxmlformats.org/officeDocument/2006/relationships" xmlns:p="http://schemas.openxmlformats.org/presentationml/2006/main">
+  <p:cSld>
+    <p:spTree>
+      <p:nvGrpSpPr>
+        <p:cNvPr id="1" name=""/>
+        <p:cNvGrpSpPr/>
+        <p:nvPr/>
+      </p:nvGrpSpPr>
+      <p:grpSpPr>
+        <a:xfrm>
+          <a:off x="0" y="0"/>
+          <a:ext cx="0" cy="0"/>
+          <a:chOff x="0" y="0"/>
+          <a:chExt cx="0" cy="0"/>
+        </a:xfrm>
+      </p:grpSpPr>
+      <p:sp>
+        <p:nvSpPr>
+          <p:cNvPr id="3" name="标题 2"/>
+          <p:cNvSpPr>
+            <a:spLocks noGrp="1"/>
+          </p:cNvSpPr>
+          <p:nvPr>
+            <p:ph type="title"/>
+          </p:nvPr>
+        </p:nvSpPr>
+        <p:spPr/>
+        <p:txBody>
+          <a:bodyPr>
+            <a:normAutofit fontScale="90000"/>
+          </a:bodyPr>
+          <a:lstStyle/>
+          <a:p>
+            <a:r>
+              <a:rPr lang="zh-CN" altLang="en-US" dirty="0" smtClean="0"/>
+              <a:t>数据层实现</a:t>
+            </a:r>
+            <a:endParaRPr lang="zh-CN" altLang="en-US" dirty="0"/>
+          </a:p>
+        </p:txBody>
+      </p:sp>
+      <p:sp>
+        <p:nvSpPr>
+          <p:cNvPr id="4" name="文本占位符 3"/>
+          <p:cNvSpPr>
+            <a:spLocks noGrp="1"/>
+          </p:cNvSpPr>
+          <p:nvPr>
+            <p:ph type="body" idx="1"/>
+          </p:nvPr>
+        </p:nvSpPr>
+        <p:spPr/>
+        <p:txBody>
+          <a:bodyPr/>
+          <a:lstStyle/>
+          <a:p>
+            <a:r>
+              <a:rPr lang="zh-CN" altLang="en-US" dirty="0" smtClean="0"/>
+              <a:t>使用</a:t>
+            </a:r>
+            <a:r>
+              <a:rPr lang="en-US" altLang="zh-CN" dirty="0" err="1" smtClean="0"/>
+              <a:t>mysql</a:t>
+            </a:r>
+            <a:r>
+              <a:rPr lang="zh-CN" altLang="en-US" dirty="0" smtClean="0"/>
+              <a:t>数据库，通过</a:t>
+            </a:r>
+            <a:r>
+              <a:rPr lang="en-US" altLang="zh-CN" dirty="0" err="1" smtClean="0"/>
+              <a:t>jdbc</a:t>
+            </a:r>
+            <a:r>
+              <a:rPr lang="zh-CN" altLang="en-US" dirty="0" smtClean="0"/>
+              <a:t>与数据库进行连接</a:t>
+            </a:r>
+            <a:endParaRPr lang="en-US" altLang="zh-CN" dirty="0" smtClean="0"/>
+          </a:p>
+          <a:p>
+            <a:r>
+              <a:rPr lang="zh-CN" altLang="en-US" dirty="0" smtClean="0"/>
+              <a:t>通过</a:t>
+            </a:r>
+            <a:r>
+              <a:rPr lang="en-US" altLang="zh-CN" dirty="0" err="1" smtClean="0"/>
+              <a:t>DataDao</a:t>
+            </a:r>
+            <a:r>
+              <a:rPr lang="zh-CN" altLang="en-US" dirty="0" smtClean="0"/>
+              <a:t>给逻辑层提供接口</a:t>
+            </a:r>
+            <a:endParaRPr lang="en-US" altLang="zh-CN" dirty="0" smtClean="0"/>
+          </a:p>
+          <a:p>
+            <a:r>
+              <a:rPr lang="zh-CN" altLang="en-US" dirty="0" smtClean="0"/>
+              <a:t>通过</a:t>
+            </a:r>
+            <a:r>
+              <a:rPr lang="en-US" altLang="zh-CN" dirty="0" smtClean="0"/>
+              <a:t>RMI</a:t>
+            </a:r>
+            <a:r>
+              <a:rPr lang="zh-CN" altLang="en-US" dirty="0" smtClean="0"/>
+              <a:t>传输数据和图片，并将数据和图片保存与服务器</a:t>
+            </a:r>
+            <a:endParaRPr lang="en-US" altLang="zh-CN" dirty="0" smtClean="0"/>
+          </a:p>
+          <a:p>
+            <a:r>
+              <a:rPr lang="zh-CN" altLang="en-US" dirty="0" smtClean="0"/>
+              <a:t>创建简单的启动</a:t>
+            </a:r>
+            <a:r>
+              <a:rPr lang="en-US" altLang="zh-CN" dirty="0" smtClean="0"/>
+              <a:t>UI</a:t>
+            </a:r>
+            <a:r>
+              <a:rPr lang="zh-CN" altLang="en-US" dirty="0" smtClean="0"/>
+              <a:t>启动服务器</a:t>
+            </a:r>
+            <a:endParaRPr lang="en-US" altLang="zh-CN" dirty="0"/>
+          </a:p>
+          <a:p>
+            <a:endParaRPr lang="en-US" altLang="zh-CN" dirty="0" smtClean="0"/>
+          </a:p>
+          <a:p>
+            <a:endParaRPr lang="zh-CN" altLang="en-US" dirty="0"/>
+          </a:p>
+        </p:txBody>
+      </p:sp>
+    </p:spTree>
+    <p:extLst>
+      <p:ext uri="{BB962C8B-B14F-4D97-AF65-F5344CB8AC3E}">
+        <p14:creationId xmlns:p14="http://schemas.microsoft.com/office/powerpoint/2010/main" val="4214958458"/>
+      </p:ext>
+    </p:extLst>
+  </p:cSld>
+  <p:clrMapOvr>
+    <a:masterClrMapping/>
+  </p:clrMapOvr>
+  <p:transition spd="med"/>
+  <p:timing>
+    <p:tnLst>
+      <p:par>
+        <p:cTn id="1" dur="indefinite" restart="never" nodeType="tmRoot"/>
+      </p:par>
+    </p:tnLst>
+  </p:timing>
+</p:sld>
+</file>
+
+<file path=ppt/slides/slide24.xml><?xml version="1.0" encoding="utf-8"?>
+<p:sld xmlns:a="http://schemas.openxmlformats.org/drawingml/2006/main" xmlns:r="http://schemas.openxmlformats.org/officeDocument/2006/relationships" xmlns:p="http://schemas.openxmlformats.org/presentationml/2006/main">
+  <p:cSld>
+    <p:spTree>
+      <p:nvGrpSpPr>
+        <p:cNvPr id="1" name=""/>
+        <p:cNvGrpSpPr/>
+        <p:nvPr/>
+      </p:nvGrpSpPr>
+      <p:grpSpPr>
+        <a:xfrm>
+          <a:off x="0" y="0"/>
+          <a:ext cx="0" cy="0"/>
+          <a:chOff x="0" y="0"/>
+          <a:chExt cx="0" cy="0"/>
+        </a:xfrm>
+      </p:grpSpPr>
+      <p:sp>
+        <p:nvSpPr>
+          <p:cNvPr id="2" name="文本占位符 1"/>
+          <p:cNvSpPr>
+            <a:spLocks noGrp="1"/>
+          </p:cNvSpPr>
+          <p:nvPr>
+            <p:ph type="body" sz="quarter" idx="13"/>
+          </p:nvPr>
+        </p:nvSpPr>
+        <p:spPr/>
+        <p:txBody>
+          <a:bodyPr/>
+          <a:lstStyle/>
+          <a:p>
+            <a:endParaRPr lang="zh-CN" altLang="en-US"/>
+          </a:p>
+        </p:txBody>
+      </p:sp>
+      <p:sp>
+        <p:nvSpPr>
+          <p:cNvPr id="3" name="标题 2"/>
+          <p:cNvSpPr>
+            <a:spLocks noGrp="1"/>
+          </p:cNvSpPr>
+          <p:nvPr>
+            <p:ph type="title"/>
+          </p:nvPr>
+        </p:nvSpPr>
+        <p:spPr/>
+        <p:txBody>
+          <a:bodyPr>
+            <a:normAutofit fontScale="90000"/>
+          </a:bodyPr>
+          <a:lstStyle/>
+          <a:p>
+            <a:r>
+              <a:rPr lang="en-US" altLang="zh-CN" dirty="0" err="1" smtClean="0"/>
+              <a:t>Jdbc</a:t>
+            </a:r>
+            <a:r>
+              <a:rPr lang="zh-CN" altLang="en-US" dirty="0" smtClean="0"/>
+              <a:t>连接数据库</a:t>
+            </a:r>
+            <a:endParaRPr lang="zh-CN" altLang="en-US" dirty="0"/>
+          </a:p>
+        </p:txBody>
+      </p:sp>
+      <p:pic>
+        <p:nvPicPr>
+          <p:cNvPr id="5" name="图片 4"/>
+          <p:cNvPicPr>
+            <a:picLocks noChangeAspect="1"/>
+          </p:cNvPicPr>
+          <p:nvPr/>
+        </p:nvPicPr>
+        <p:blipFill>
+          <a:blip r:embed="rId2">
+            <a:extLst>
+              <a:ext uri="{28A0092B-C50C-407E-A947-70E740481C1C}">
+                <a14:useLocalDpi xmlns:a14="http://schemas.microsoft.com/office/drawing/2010/main" val="0"/>
+              </a:ext>
+            </a:extLst>
+          </a:blip>
+          <a:stretch>
+            <a:fillRect/>
+          </a:stretch>
+        </p:blipFill>
+        <p:spPr>
+          <a:xfrm>
+            <a:off x="883948" y="2882899"/>
+            <a:ext cx="11308052" cy="5507661"/>
+          </a:xfrm>
+          <a:prstGeom prst="rect">
+            <a:avLst/>
+          </a:prstGeom>
+        </p:spPr>
+      </p:pic>
+    </p:spTree>
+    <p:extLst>
+      <p:ext uri="{BB962C8B-B14F-4D97-AF65-F5344CB8AC3E}">
+        <p14:creationId xmlns:p14="http://schemas.microsoft.com/office/powerpoint/2010/main" val="3507946404"/>
+      </p:ext>
+    </p:extLst>
+  </p:cSld>
+  <p:clrMapOvr>
+    <a:masterClrMapping/>
+  </p:clrMapOvr>
+  <p:transition spd="med"/>
+  <p:timing>
+    <p:tnLst>
+      <p:par>
+        <p:cTn id="1" dur="indefinite" restart="never" nodeType="tmRoot"/>
+      </p:par>
+    </p:tnLst>
+  </p:timing>
+</p:sld>
+</file>
+
+<file path=ppt/slides/slide25.xml><?xml version="1.0" encoding="utf-8"?>
+<p:sld xmlns:a="http://schemas.openxmlformats.org/drawingml/2006/main" xmlns:r="http://schemas.openxmlformats.org/officeDocument/2006/relationships" xmlns:p="http://schemas.openxmlformats.org/presentationml/2006/main">
+  <p:cSld>
+    <p:spTree>
+      <p:nvGrpSpPr>
+        <p:cNvPr id="1" name=""/>
+        <p:cNvGrpSpPr/>
+        <p:nvPr/>
+      </p:nvGrpSpPr>
+      <p:grpSpPr>
+        <a:xfrm>
+          <a:off x="0" y="0"/>
+          <a:ext cx="0" cy="0"/>
+          <a:chOff x="0" y="0"/>
+          <a:chExt cx="0" cy="0"/>
+        </a:xfrm>
+      </p:grpSpPr>
+      <p:sp>
+        <p:nvSpPr>
+          <p:cNvPr id="2" name="文本占位符 1"/>
+          <p:cNvSpPr>
+            <a:spLocks noGrp="1"/>
+          </p:cNvSpPr>
+          <p:nvPr>
+            <p:ph type="body" sz="quarter" idx="13"/>
+          </p:nvPr>
+        </p:nvSpPr>
+        <p:spPr/>
+        <p:txBody>
+          <a:bodyPr/>
+          <a:lstStyle/>
+          <a:p>
+            <a:endParaRPr lang="zh-CN" altLang="en-US"/>
+          </a:p>
+        </p:txBody>
+      </p:sp>
+      <p:sp>
+        <p:nvSpPr>
+          <p:cNvPr id="3" name="标题 2"/>
+          <p:cNvSpPr>
+            <a:spLocks noGrp="1"/>
+          </p:cNvSpPr>
+          <p:nvPr>
+            <p:ph type="title"/>
+          </p:nvPr>
+        </p:nvSpPr>
+        <p:spPr>
+          <a:xfrm>
+            <a:off x="406400" y="1174750"/>
+            <a:ext cx="12192000" cy="723900"/>
+          </a:xfrm>
+        </p:spPr>
+        <p:txBody>
+          <a:bodyPr>
+            <a:normAutofit fontScale="90000"/>
+          </a:bodyPr>
+          <a:lstStyle/>
+          <a:p>
+            <a:r>
+              <a:rPr lang="en-US" altLang="zh-CN" dirty="0" err="1" smtClean="0"/>
+              <a:t>Rmi</a:t>
+            </a:r>
+            <a:r>
+              <a:rPr lang="zh-CN" altLang="en-US" dirty="0" smtClean="0"/>
+              <a:t>设计：工厂模式</a:t>
+            </a:r>
+            <a:endParaRPr lang="zh-CN" altLang="en-US" dirty="0"/>
+          </a:p>
+        </p:txBody>
+      </p:sp>
+      <p:pic>
+        <p:nvPicPr>
+          <p:cNvPr id="5" name="图片 4"/>
+          <p:cNvPicPr>
+            <a:picLocks noChangeAspect="1"/>
+          </p:cNvPicPr>
+          <p:nvPr/>
+        </p:nvPicPr>
+        <p:blipFill>
+          <a:blip r:embed="rId2"/>
+          <a:stretch>
+            <a:fillRect/>
+          </a:stretch>
+        </p:blipFill>
+        <p:spPr>
+          <a:xfrm>
+            <a:off x="406400" y="1996207"/>
+            <a:ext cx="8514788" cy="4338573"/>
+          </a:xfrm>
+          <a:prstGeom prst="rect">
+            <a:avLst/>
+          </a:prstGeom>
+        </p:spPr>
+      </p:pic>
+      <p:pic>
+        <p:nvPicPr>
+          <p:cNvPr id="6" name="图片 5"/>
+          <p:cNvPicPr>
+            <a:picLocks noChangeAspect="1"/>
+          </p:cNvPicPr>
+          <p:nvPr/>
+        </p:nvPicPr>
+        <p:blipFill>
+          <a:blip r:embed="rId3"/>
+          <a:stretch>
+            <a:fillRect/>
+          </a:stretch>
+        </p:blipFill>
+        <p:spPr>
+          <a:xfrm>
+            <a:off x="406400" y="6645621"/>
+            <a:ext cx="8514787" cy="2904831"/>
+          </a:xfrm>
+          <a:prstGeom prst="rect">
+            <a:avLst/>
+          </a:prstGeom>
+        </p:spPr>
+      </p:pic>
+    </p:spTree>
+    <p:extLst>
+      <p:ext uri="{BB962C8B-B14F-4D97-AF65-F5344CB8AC3E}">
+        <p14:creationId xmlns:p14="http://schemas.microsoft.com/office/powerpoint/2010/main" val="3743694125"/>
+      </p:ext>
+    </p:extLst>
+  </p:cSld>
+  <p:clrMapOvr>
+    <a:masterClrMapping/>
+  </p:clrMapOvr>
+  <p:transition spd="med"/>
+  <p:timing>
+    <p:tnLst>
+      <p:par>
+        <p:cTn id="1" dur="indefinite" restart="never" nodeType="tmRoot"/>
+      </p:par>
+    </p:tnLst>
+  </p:timing>
+</p:sld>
+</file>
+
+<file path=ppt/slides/slide26.xml><?xml version="1.0" encoding="utf-8"?>
+<p:sld xmlns:a="http://schemas.openxmlformats.org/drawingml/2006/main" xmlns:r="http://schemas.openxmlformats.org/officeDocument/2006/relationships" xmlns:p="http://schemas.openxmlformats.org/presentationml/2006/main">
+  <p:cSld>
+    <p:spTree>
+      <p:nvGrpSpPr>
+        <p:cNvPr id="1" name=""/>
+        <p:cNvGrpSpPr/>
+        <p:nvPr/>
+      </p:nvGrpSpPr>
+      <p:grpSpPr>
+        <a:xfrm>
+          <a:off x="0" y="0"/>
+          <a:ext cx="0" cy="0"/>
+          <a:chOff x="0" y="0"/>
+          <a:chExt cx="0" cy="0"/>
+        </a:xfrm>
+      </p:grpSpPr>
+      <p:sp>
+        <p:nvSpPr>
+          <p:cNvPr id="2" name="文本占位符 1"/>
+          <p:cNvSpPr>
+            <a:spLocks noGrp="1"/>
+          </p:cNvSpPr>
+          <p:nvPr>
+            <p:ph type="body" sz="quarter" idx="13"/>
+          </p:nvPr>
+        </p:nvSpPr>
+        <p:spPr/>
+        <p:txBody>
+          <a:bodyPr/>
+          <a:lstStyle/>
+          <a:p>
+            <a:endParaRPr lang="zh-CN" altLang="en-US"/>
+          </a:p>
+        </p:txBody>
+      </p:sp>
+      <p:sp>
+        <p:nvSpPr>
+          <p:cNvPr id="3" name="标题 2"/>
+          <p:cNvSpPr>
+            <a:spLocks noGrp="1"/>
+          </p:cNvSpPr>
+          <p:nvPr>
+            <p:ph type="title"/>
+          </p:nvPr>
+        </p:nvSpPr>
+        <p:spPr/>
+        <p:txBody>
+          <a:bodyPr>
+            <a:normAutofit fontScale="90000"/>
+          </a:bodyPr>
+          <a:lstStyle/>
+          <a:p>
+            <a:r>
+              <a:rPr lang="zh-CN" altLang="en-US" dirty="0" smtClean="0"/>
+              <a:t>启动</a:t>
+            </a:r>
+            <a:r>
+              <a:rPr lang="en-US" altLang="zh-CN" dirty="0" smtClean="0"/>
+              <a:t>UI</a:t>
+            </a:r>
+            <a:r>
+              <a:rPr lang="zh-CN" altLang="en-US" dirty="0" smtClean="0"/>
+              <a:t>：</a:t>
+            </a:r>
+            <a:r>
+              <a:rPr lang="en-US" altLang="zh-CN" dirty="0" err="1" smtClean="0"/>
+              <a:t>javafx</a:t>
+            </a:r>
+            <a:r>
+              <a:rPr lang="zh-CN" altLang="en-US" dirty="0" smtClean="0"/>
+              <a:t>实现</a:t>
+            </a:r>
+            <a:endParaRPr lang="zh-CN" altLang="en-US" dirty="0"/>
+          </a:p>
+        </p:txBody>
+      </p:sp>
+      <p:pic>
+        <p:nvPicPr>
+          <p:cNvPr id="5" name="图片 4"/>
+          <p:cNvPicPr>
+            <a:picLocks noChangeAspect="1"/>
+          </p:cNvPicPr>
+          <p:nvPr/>
+        </p:nvPicPr>
+        <p:blipFill>
+          <a:blip r:embed="rId2"/>
+          <a:stretch>
+            <a:fillRect/>
+          </a:stretch>
+        </p:blipFill>
+        <p:spPr>
+          <a:xfrm>
+            <a:off x="7565097" y="2882899"/>
+            <a:ext cx="5033303" cy="5113197"/>
+          </a:xfrm>
+          <a:prstGeom prst="rect">
+            <a:avLst/>
+          </a:prstGeom>
+        </p:spPr>
+      </p:pic>
+      <p:pic>
+        <p:nvPicPr>
+          <p:cNvPr id="6" name="图片 5"/>
+          <p:cNvPicPr>
+            <a:picLocks noChangeAspect="1"/>
+          </p:cNvPicPr>
+          <p:nvPr/>
+        </p:nvPicPr>
+        <p:blipFill>
+          <a:blip r:embed="rId3"/>
+          <a:stretch>
+            <a:fillRect/>
+          </a:stretch>
+        </p:blipFill>
+        <p:spPr>
+          <a:xfrm>
+            <a:off x="406400" y="2260600"/>
+            <a:ext cx="6686809" cy="7148945"/>
+          </a:xfrm>
+          <a:prstGeom prst="rect">
+            <a:avLst/>
+          </a:prstGeom>
+        </p:spPr>
+      </p:pic>
+    </p:spTree>
+    <p:extLst>
+      <p:ext uri="{BB962C8B-B14F-4D97-AF65-F5344CB8AC3E}">
+        <p14:creationId xmlns:p14="http://schemas.microsoft.com/office/powerpoint/2010/main" val="2732247119"/>
+      </p:ext>
+    </p:extLst>
+  </p:cSld>
+  <p:clrMapOvr>
+    <a:masterClrMapping/>
+  </p:clrMapOvr>
+  <p:transition spd="med"/>
+  <p:timing>
+    <p:tnLst>
+      <p:par>
+        <p:cTn id="1" dur="indefinite" restart="never" nodeType="tmRoot"/>
+      </p:par>
+    </p:tnLst>
+  </p:timing>
+</p:sld>
+</file>
+
+<file path=ppt/slides/slide27.xml><?xml version="1.0" encoding="utf-8"?>
+<p:sld xmlns:a="http://schemas.openxmlformats.org/drawingml/2006/main" xmlns:r="http://schemas.openxmlformats.org/officeDocument/2006/relationships" xmlns:p="http://schemas.openxmlformats.org/presentationml/2006/main">
+  <p:cSld>
+    <p:spTree>
+      <p:nvGrpSpPr>
+        <p:cNvPr id="1" name=""/>
+        <p:cNvGrpSpPr/>
+        <p:nvPr/>
+      </p:nvGrpSpPr>
+      <p:grpSpPr>
+        <a:xfrm>
+          <a:off x="0" y="0"/>
+          <a:ext cx="0" cy="0"/>
+          <a:chOff x="0" y="0"/>
+          <a:chExt cx="0" cy="0"/>
+        </a:xfrm>
+      </p:grpSpPr>
+      <p:sp>
+        <p:nvSpPr>
+          <p:cNvPr id="2" name="文本占位符 1"/>
+          <p:cNvSpPr>
+            <a:spLocks noGrp="1"/>
+          </p:cNvSpPr>
+          <p:nvPr>
+            <p:ph type="body" sz="quarter" idx="13"/>
+          </p:nvPr>
+        </p:nvSpPr>
+        <p:spPr/>
+        <p:txBody>
+          <a:bodyPr/>
+          <a:lstStyle/>
+          <a:p>
+            <a:endParaRPr lang="zh-CN" altLang="en-US"/>
+          </a:p>
+        </p:txBody>
+      </p:sp>
+      <p:sp>
+        <p:nvSpPr>
+          <p:cNvPr id="3" name="标题 2"/>
+          <p:cNvSpPr>
+            <a:spLocks noGrp="1"/>
+          </p:cNvSpPr>
+          <p:nvPr>
+            <p:ph type="title"/>
+          </p:nvPr>
+        </p:nvSpPr>
+        <p:spPr/>
+        <p:txBody>
+          <a:bodyPr>
+            <a:normAutofit fontScale="90000"/>
+          </a:bodyPr>
+          <a:lstStyle/>
+          <a:p>
+            <a:r>
+              <a:rPr lang="zh-CN" altLang="en-US" dirty="0" smtClean="0"/>
+              <a:t>特色功能：</a:t>
+            </a:r>
+            <a:endParaRPr lang="zh-CN" altLang="en-US" dirty="0"/>
+          </a:p>
+        </p:txBody>
+      </p:sp>
+      <p:sp>
+        <p:nvSpPr>
+          <p:cNvPr id="4" name="文本占位符 3"/>
+          <p:cNvSpPr>
+            <a:spLocks noGrp="1"/>
+          </p:cNvSpPr>
+          <p:nvPr>
+            <p:ph type="body" idx="1"/>
+          </p:nvPr>
+        </p:nvSpPr>
+        <p:spPr/>
+        <p:txBody>
+          <a:bodyPr/>
+          <a:lstStyle/>
+          <a:p>
+            <a:r>
+              <a:rPr lang="zh-CN" altLang="en-US" dirty="0" smtClean="0"/>
+              <a:t>自动执行定时任务：</a:t>
+            </a:r>
+            <a:endParaRPr lang="en-US" altLang="zh-CN" dirty="0" smtClean="0"/>
+          </a:p>
+          <a:p>
+            <a:pPr lvl="1"/>
+            <a:r>
+              <a:rPr lang="en-US" altLang="zh-CN" dirty="0"/>
+              <a:t>1</a:t>
+            </a:r>
+            <a:r>
+              <a:rPr lang="zh-CN" altLang="en-US" dirty="0"/>
+              <a:t>、日期更替自动刷新房间信息</a:t>
+            </a:r>
+            <a:endParaRPr lang="en-US" altLang="zh-CN" dirty="0"/>
+          </a:p>
+          <a:p>
+            <a:pPr lvl="1"/>
+            <a:r>
+              <a:rPr lang="en-US" altLang="zh-CN" dirty="0"/>
+              <a:t>2</a:t>
+            </a:r>
+            <a:r>
+              <a:rPr lang="zh-CN" altLang="en-US" dirty="0"/>
+              <a:t>、自动将超时订单置为异常，修改信用值</a:t>
+            </a:r>
+            <a:endParaRPr lang="en-US" altLang="zh-CN" dirty="0"/>
+          </a:p>
+          <a:p>
+            <a:r>
+              <a:rPr lang="zh-CN" altLang="en-US" dirty="0" smtClean="0"/>
+              <a:t>图片传输与存储</a:t>
+            </a:r>
+            <a:endParaRPr lang="en-US" altLang="zh-CN" dirty="0" smtClean="0"/>
+          </a:p>
+          <a:p>
+            <a:pPr lvl="1"/>
+            <a:r>
+              <a:rPr lang="en-US" altLang="zh-CN" dirty="0" smtClean="0"/>
+              <a:t>1</a:t>
+            </a:r>
+            <a:r>
+              <a:rPr lang="zh-CN" altLang="en-US" dirty="0" smtClean="0"/>
+              <a:t>、客户端选择图片发送至服务器，由数据层处理并保存在服务器</a:t>
+            </a:r>
+            <a:endParaRPr lang="en-US" altLang="zh-CN" dirty="0" smtClean="0"/>
+          </a:p>
+          <a:p>
+            <a:pPr lvl="1"/>
+            <a:r>
+              <a:rPr lang="en-US" altLang="zh-CN" dirty="0" smtClean="0"/>
+              <a:t>2</a:t>
+            </a:r>
+            <a:r>
+              <a:rPr lang="zh-CN" altLang="en-US" dirty="0" smtClean="0"/>
+              <a:t>、客户调用图片，数据层从本地获取图片并传输</a:t>
+            </a:r>
+            <a:endParaRPr lang="en-US" altLang="zh-CN" dirty="0" smtClean="0"/>
+          </a:p>
+        </p:txBody>
+      </p:sp>
+    </p:spTree>
+    <p:extLst>
+      <p:ext uri="{BB962C8B-B14F-4D97-AF65-F5344CB8AC3E}">
+        <p14:creationId xmlns:p14="http://schemas.microsoft.com/office/powerpoint/2010/main" val="4226981200"/>
+      </p:ext>
+    </p:extLst>
+  </p:cSld>
+  <p:clrMapOvr>
+    <a:masterClrMapping/>
+  </p:clrMapOvr>
+  <p:transition spd="med"/>
+  <p:timing>
+    <p:tnLst>
+      <p:par>
+        <p:cTn id="1" dur="indefinite" restart="never" nodeType="tmRoot"/>
+      </p:par>
+    </p:tnLst>
+  </p:timing>
+</p:sld>
+</file>
+
+<file path=ppt/slides/slide28.xml><?xml version="1.0" encoding="utf-8"?>
+<p:sld xmlns:a="http://schemas.openxmlformats.org/drawingml/2006/main" xmlns:r="http://schemas.openxmlformats.org/officeDocument/2006/relationships" xmlns:p="http://schemas.openxmlformats.org/presentationml/2006/main">
+  <p:cSld>
+    <p:spTree>
+      <p:nvGrpSpPr>
+        <p:cNvPr id="1" name=""/>
+        <p:cNvGrpSpPr/>
+        <p:nvPr/>
+      </p:nvGrpSpPr>
+      <p:grpSpPr>
+        <a:xfrm>
+          <a:off x="0" y="0"/>
+          <a:ext cx="0" cy="0"/>
+          <a:chOff x="0" y="0"/>
+          <a:chExt cx="0" cy="0"/>
+        </a:xfrm>
+      </p:grpSpPr>
+      <p:sp>
+        <p:nvSpPr>
+          <p:cNvPr id="2" name="文本占位符 1"/>
+          <p:cNvSpPr>
+            <a:spLocks noGrp="1"/>
+          </p:cNvSpPr>
+          <p:nvPr>
+            <p:ph type="body" sz="quarter" idx="13"/>
+          </p:nvPr>
+        </p:nvSpPr>
+        <p:spPr/>
+        <p:txBody>
+          <a:bodyPr/>
+          <a:lstStyle/>
+          <a:p>
+            <a:endParaRPr lang="zh-CN" altLang="en-US"/>
+          </a:p>
+        </p:txBody>
+      </p:sp>
+      <p:sp>
+        <p:nvSpPr>
+          <p:cNvPr id="3" name="标题 2"/>
+          <p:cNvSpPr>
+            <a:spLocks noGrp="1"/>
+          </p:cNvSpPr>
+          <p:nvPr>
+            <p:ph type="title"/>
+          </p:nvPr>
+        </p:nvSpPr>
+        <p:spPr/>
+        <p:txBody>
+          <a:bodyPr>
+            <a:normAutofit fontScale="90000"/>
+          </a:bodyPr>
+          <a:lstStyle/>
+          <a:p>
+            <a:r>
+              <a:rPr lang="zh-CN" altLang="en-US" dirty="0" smtClean="0"/>
+              <a:t>自动执行定时任务：</a:t>
+            </a:r>
+            <a:r>
+              <a:rPr lang="en-US" altLang="zh-CN" dirty="0" smtClean="0"/>
+              <a:t>Quartz</a:t>
+            </a:r>
+            <a:r>
+              <a:rPr lang="zh-CN" altLang="en-US" dirty="0" smtClean="0"/>
+              <a:t>实现</a:t>
+            </a:r>
+            <a:endParaRPr lang="zh-CN" altLang="en-US" dirty="0"/>
+          </a:p>
+        </p:txBody>
+      </p:sp>
+      <p:pic>
+        <p:nvPicPr>
+          <p:cNvPr id="5" name="图片 4"/>
+          <p:cNvPicPr>
+            <a:picLocks noChangeAspect="1"/>
+          </p:cNvPicPr>
+          <p:nvPr/>
+        </p:nvPicPr>
+        <p:blipFill>
+          <a:blip r:embed="rId2"/>
+          <a:stretch>
+            <a:fillRect/>
+          </a:stretch>
+        </p:blipFill>
+        <p:spPr>
+          <a:xfrm>
+            <a:off x="930564" y="2372538"/>
+            <a:ext cx="9668164" cy="4453446"/>
+          </a:xfrm>
+          <a:prstGeom prst="rect">
+            <a:avLst/>
+          </a:prstGeom>
+        </p:spPr>
+      </p:pic>
+      <p:pic>
+        <p:nvPicPr>
+          <p:cNvPr id="6" name="图片 5"/>
+          <p:cNvPicPr>
+            <a:picLocks noChangeAspect="1"/>
+          </p:cNvPicPr>
+          <p:nvPr/>
+        </p:nvPicPr>
+        <p:blipFill>
+          <a:blip r:embed="rId3"/>
+          <a:stretch>
+            <a:fillRect/>
+          </a:stretch>
+        </p:blipFill>
+        <p:spPr>
+          <a:xfrm>
+            <a:off x="0" y="7307135"/>
+            <a:ext cx="6737696" cy="2038455"/>
+          </a:xfrm>
+          <a:prstGeom prst="rect">
+            <a:avLst/>
+          </a:prstGeom>
+        </p:spPr>
+      </p:pic>
+      <p:pic>
+        <p:nvPicPr>
+          <p:cNvPr id="7" name="图片 6"/>
+          <p:cNvPicPr>
+            <a:picLocks noChangeAspect="1"/>
+          </p:cNvPicPr>
+          <p:nvPr/>
+        </p:nvPicPr>
+        <p:blipFill>
+          <a:blip r:embed="rId4"/>
+          <a:stretch>
+            <a:fillRect/>
+          </a:stretch>
+        </p:blipFill>
+        <p:spPr>
+          <a:xfrm>
+            <a:off x="6878299" y="7290958"/>
+            <a:ext cx="5618502" cy="2054632"/>
+          </a:xfrm>
+          <a:prstGeom prst="rect">
+            <a:avLst/>
+          </a:prstGeom>
+        </p:spPr>
+      </p:pic>
+    </p:spTree>
+    <p:extLst>
+      <p:ext uri="{BB962C8B-B14F-4D97-AF65-F5344CB8AC3E}">
+        <p14:creationId xmlns:p14="http://schemas.microsoft.com/office/powerpoint/2010/main" val="1226807028"/>
+      </p:ext>
+    </p:extLst>
+  </p:cSld>
+  <p:clrMapOvr>
+    <a:masterClrMapping/>
+  </p:clrMapOvr>
+  <p:transition spd="med"/>
+  <p:timing>
+    <p:tnLst>
+      <p:par>
+        <p:cTn id="1" dur="indefinite" restart="never" nodeType="tmRoot"/>
+      </p:par>
+    </p:tnLst>
+  </p:timing>
+</p:sld>
+</file>
+
+<file path=ppt/slides/slide29.xml><?xml version="1.0" encoding="utf-8"?>
+<p:sld xmlns:a="http://schemas.openxmlformats.org/drawingml/2006/main" xmlns:r="http://schemas.openxmlformats.org/officeDocument/2006/relationships" xmlns:p="http://schemas.openxmlformats.org/presentationml/2006/main">
+  <p:cSld>
+    <p:spTree>
+      <p:nvGrpSpPr>
+        <p:cNvPr id="1" name=""/>
+        <p:cNvGrpSpPr/>
+        <p:nvPr/>
+      </p:nvGrpSpPr>
+      <p:grpSpPr>
+        <a:xfrm>
+          <a:off x="0" y="0"/>
+          <a:ext cx="0" cy="0"/>
+          <a:chOff x="0" y="0"/>
+          <a:chExt cx="0" cy="0"/>
+        </a:xfrm>
+      </p:grpSpPr>
+      <p:sp>
+        <p:nvSpPr>
+          <p:cNvPr id="2" name="文本占位符 1"/>
+          <p:cNvSpPr>
+            <a:spLocks noGrp="1"/>
+          </p:cNvSpPr>
+          <p:nvPr>
+            <p:ph type="body" sz="quarter" idx="13"/>
+          </p:nvPr>
+        </p:nvSpPr>
+        <p:spPr/>
+        <p:txBody>
+          <a:bodyPr/>
+          <a:lstStyle/>
+          <a:p>
+            <a:endParaRPr lang="zh-CN" altLang="en-US"/>
+          </a:p>
+        </p:txBody>
+      </p:sp>
+      <p:sp>
+        <p:nvSpPr>
+          <p:cNvPr id="3" name="标题 2"/>
+          <p:cNvSpPr>
+            <a:spLocks noGrp="1"/>
+          </p:cNvSpPr>
+          <p:nvPr>
+            <p:ph type="title"/>
+          </p:nvPr>
+        </p:nvSpPr>
+        <p:spPr/>
+        <p:txBody>
+          <a:bodyPr>
+            <a:normAutofit fontScale="90000"/>
+          </a:bodyPr>
+          <a:lstStyle/>
+          <a:p>
+            <a:r>
+              <a:rPr lang="zh-CN" altLang="en-US" dirty="0" smtClean="0"/>
+              <a:t>自动任务：</a:t>
+            </a:r>
+            <a:endParaRPr lang="zh-CN" altLang="en-US" dirty="0"/>
+          </a:p>
+        </p:txBody>
+      </p:sp>
+      <p:sp>
+        <p:nvSpPr>
+          <p:cNvPr id="4" name="文本占位符 3"/>
+          <p:cNvSpPr>
+            <a:spLocks noGrp="1"/>
+          </p:cNvSpPr>
+          <p:nvPr>
+            <p:ph type="body" idx="1"/>
+          </p:nvPr>
+        </p:nvSpPr>
+        <p:spPr/>
+        <p:txBody>
+          <a:bodyPr/>
+          <a:lstStyle/>
+          <a:p>
+            <a:r>
+              <a:rPr lang="zh-CN" altLang="en-US" dirty="0" smtClean="0"/>
+              <a:t>更新房间信息：</a:t>
+            </a:r>
+            <a:endParaRPr lang="en-US" altLang="zh-CN" dirty="0" smtClean="0"/>
+          </a:p>
+          <a:p>
+            <a:endParaRPr lang="en-US" altLang="zh-CN" dirty="0"/>
+          </a:p>
+          <a:p>
+            <a:endParaRPr lang="en-US" altLang="zh-CN" dirty="0" smtClean="0"/>
+          </a:p>
+          <a:p>
+            <a:endParaRPr lang="en-US" altLang="zh-CN" dirty="0"/>
+          </a:p>
+          <a:p>
+            <a:r>
+              <a:rPr lang="zh-CN" altLang="en-US" dirty="0" smtClean="0"/>
+              <a:t>自动置为异常：</a:t>
+            </a:r>
+            <a:endParaRPr lang="zh-CN" altLang="en-US" dirty="0"/>
+          </a:p>
+        </p:txBody>
+      </p:sp>
+      <p:pic>
+        <p:nvPicPr>
+          <p:cNvPr id="5" name="图片 4"/>
+          <p:cNvPicPr>
+            <a:picLocks noChangeAspect="1"/>
+          </p:cNvPicPr>
+          <p:nvPr/>
+        </p:nvPicPr>
+        <p:blipFill>
+          <a:blip r:embed="rId2"/>
+          <a:stretch>
+            <a:fillRect/>
+          </a:stretch>
+        </p:blipFill>
+        <p:spPr>
+          <a:xfrm>
+            <a:off x="3975286" y="2979881"/>
+            <a:ext cx="8623114" cy="2797465"/>
+          </a:xfrm>
+          <a:prstGeom prst="rect">
+            <a:avLst/>
+          </a:prstGeom>
+        </p:spPr>
+      </p:pic>
+      <p:pic>
+        <p:nvPicPr>
+          <p:cNvPr id="6" name="图片 5"/>
+          <p:cNvPicPr>
+            <a:picLocks noChangeAspect="1"/>
+          </p:cNvPicPr>
+          <p:nvPr/>
+        </p:nvPicPr>
+        <p:blipFill>
+          <a:blip r:embed="rId3"/>
+          <a:stretch>
+            <a:fillRect/>
+          </a:stretch>
+        </p:blipFill>
+        <p:spPr>
+          <a:xfrm>
+            <a:off x="3975286" y="6199205"/>
+            <a:ext cx="8623114" cy="3367477"/>
+          </a:xfrm>
+          <a:prstGeom prst="rect">
+            <a:avLst/>
+          </a:prstGeom>
+        </p:spPr>
+      </p:pic>
+    </p:spTree>
+    <p:extLst>
+      <p:ext uri="{BB962C8B-B14F-4D97-AF65-F5344CB8AC3E}">
+        <p14:creationId xmlns:p14="http://schemas.microsoft.com/office/powerpoint/2010/main" val="2768382885"/>
+      </p:ext>
+    </p:extLst>
+  </p:cSld>
+  <p:clrMapOvr>
+    <a:masterClrMapping/>
+  </p:clrMapOvr>
+  <p:transition spd="med"/>
+  <p:timing>
+    <p:tnLst>
+      <p:par>
+        <p:cTn id="1" dur="indefinite" restart="never" nodeType="tmRoot"/>
+      </p:par>
+    </p:tnLst>
+  </p:timing>
+</p:sld>
+</file>
+
 <file path=ppt/slides/slide3.xml><?xml version="1.0" encoding="utf-8"?>
 <p:sld xmlns:a="http://schemas.openxmlformats.org/drawingml/2006/main" xmlns:r="http://schemas.openxmlformats.org/officeDocument/2006/relationships" xmlns:p="http://schemas.openxmlformats.org/presentationml/2006/main">
   <p:cSld>
@@ -7786,6 +8927,777 @@
     <a:masterClrMapping/>
   </p:clrMapOvr>
   <p:transition spd="med"/>
+</p:sld>
+</file>
+
+<file path=ppt/slides/slide30.xml><?xml version="1.0" encoding="utf-8"?>
+<p:sld xmlns:a="http://schemas.openxmlformats.org/drawingml/2006/main" xmlns:r="http://schemas.openxmlformats.org/officeDocument/2006/relationships" xmlns:p="http://schemas.openxmlformats.org/presentationml/2006/main">
+  <p:cSld>
+    <p:spTree>
+      <p:nvGrpSpPr>
+        <p:cNvPr id="1" name=""/>
+        <p:cNvGrpSpPr/>
+        <p:nvPr/>
+      </p:nvGrpSpPr>
+      <p:grpSpPr>
+        <a:xfrm>
+          <a:off x="0" y="0"/>
+          <a:ext cx="0" cy="0"/>
+          <a:chOff x="0" y="0"/>
+          <a:chExt cx="0" cy="0"/>
+        </a:xfrm>
+      </p:grpSpPr>
+      <p:sp>
+        <p:nvSpPr>
+          <p:cNvPr id="2" name="文本占位符 1"/>
+          <p:cNvSpPr>
+            <a:spLocks noGrp="1"/>
+          </p:cNvSpPr>
+          <p:nvPr>
+            <p:ph type="body" sz="quarter" idx="13"/>
+          </p:nvPr>
+        </p:nvSpPr>
+        <p:spPr/>
+        <p:txBody>
+          <a:bodyPr/>
+          <a:lstStyle/>
+          <a:p>
+            <a:endParaRPr lang="zh-CN" altLang="en-US"/>
+          </a:p>
+        </p:txBody>
+      </p:sp>
+      <p:sp>
+        <p:nvSpPr>
+          <p:cNvPr id="3" name="标题 2"/>
+          <p:cNvSpPr>
+            <a:spLocks noGrp="1"/>
+          </p:cNvSpPr>
+          <p:nvPr>
+            <p:ph type="title"/>
+          </p:nvPr>
+        </p:nvSpPr>
+        <p:spPr/>
+        <p:txBody>
+          <a:bodyPr>
+            <a:normAutofit fontScale="90000"/>
+          </a:bodyPr>
+          <a:lstStyle/>
+          <a:p>
+            <a:r>
+              <a:rPr lang="zh-CN" altLang="en-US" dirty="0" smtClean="0"/>
+              <a:t>数据层存在的不足</a:t>
+            </a:r>
+            <a:endParaRPr lang="zh-CN" altLang="en-US" dirty="0"/>
+          </a:p>
+        </p:txBody>
+      </p:sp>
+      <p:sp>
+        <p:nvSpPr>
+          <p:cNvPr id="4" name="文本占位符 3"/>
+          <p:cNvSpPr>
+            <a:spLocks noGrp="1"/>
+          </p:cNvSpPr>
+          <p:nvPr>
+            <p:ph type="body" idx="1"/>
+          </p:nvPr>
+        </p:nvSpPr>
+        <p:spPr>
+          <a:xfrm>
+            <a:off x="406400" y="2743201"/>
+            <a:ext cx="12192000" cy="2036618"/>
+          </a:xfrm>
+        </p:spPr>
+        <p:txBody>
+          <a:bodyPr/>
+          <a:lstStyle/>
+          <a:p>
+            <a:r>
+              <a:rPr lang="zh-CN" altLang="en-US" dirty="0" smtClean="0"/>
+              <a:t>重复代码较多，</a:t>
+            </a:r>
+            <a:r>
+              <a:rPr lang="en-US" altLang="zh-CN" dirty="0" err="1" smtClean="0"/>
+              <a:t>mysql</a:t>
+            </a:r>
+            <a:r>
+              <a:rPr lang="zh-CN" altLang="en-US" dirty="0" smtClean="0"/>
+              <a:t>语句执行代码重复较为严重</a:t>
+            </a:r>
+            <a:endParaRPr lang="en-US" altLang="zh-CN" dirty="0" smtClean="0"/>
+          </a:p>
+          <a:p>
+            <a:r>
+              <a:rPr lang="zh-CN" altLang="en-US" dirty="0" smtClean="0"/>
+              <a:t>数据层设计部分逻辑，与逻辑层部分重叠</a:t>
+            </a:r>
+            <a:endParaRPr lang="zh-CN" altLang="en-US" dirty="0"/>
+          </a:p>
+        </p:txBody>
+      </p:sp>
+      <p:sp>
+        <p:nvSpPr>
+          <p:cNvPr id="5" name="标题 2"/>
+          <p:cNvSpPr txBox="1">
+            <a:spLocks/>
+          </p:cNvSpPr>
+          <p:nvPr/>
+        </p:nvSpPr>
+        <p:spPr>
+          <a:xfrm>
+            <a:off x="406400" y="5083464"/>
+            <a:ext cx="12192000" cy="723900"/>
+          </a:xfrm>
+          <a:prstGeom prst="rect">
+            <a:avLst/>
+          </a:prstGeom>
+          <a:ln w="12700">
+            <a:miter lim="400000"/>
+          </a:ln>
+          <a:extLst>
+            <a:ext uri="{C572A759-6A51-4108-AA02-DFA0A04FC94B}">
+              <ma14:wrappingTextBoxFlag xmlns:ma14="http://schemas.microsoft.com/office/mac/drawingml/2011/main" xmlns="" val="1"/>
+            </a:ext>
+          </a:extLst>
+        </p:spPr>
+        <p:txBody>
+          <a:bodyPr lIns="50800" tIns="50800" rIns="50800" bIns="50800">
+            <a:normAutofit fontScale="90000" lnSpcReduction="10000"/>
+          </a:bodyPr>
+          <a:lstStyle>
+            <a:lvl1pPr marL="0" marR="0" indent="0" algn="l" defTabSz="584200" rtl="0" latinLnBrk="0">
+              <a:lnSpc>
+                <a:spcPct val="80000"/>
+              </a:lnSpc>
+              <a:spcBef>
+                <a:spcPts val="2800"/>
+              </a:spcBef>
+              <a:spcAft>
+                <a:spcPts val="0"/>
+              </a:spcAft>
+              <a:buClrTx/>
+              <a:buSzTx/>
+              <a:buFontTx/>
+              <a:buNone/>
+              <a:tabLst/>
+              <a:defRPr sz="6000" b="1" i="0" u="none" strike="noStrike" cap="all" spc="0" baseline="0">
+                <a:ln>
+                  <a:noFill/>
+                </a:ln>
+                <a:solidFill>
+                  <a:schemeClr val="accent1"/>
+                </a:solidFill>
+                <a:uFillTx/>
+                <a:latin typeface="+mn-lt"/>
+                <a:ea typeface="+mn-ea"/>
+                <a:cs typeface="+mn-cs"/>
+                <a:sym typeface="Baskerville"/>
+              </a:defRPr>
+            </a:lvl1pPr>
+            <a:lvl2pPr marL="0" marR="0" indent="228600" algn="l" defTabSz="584200" rtl="0" latinLnBrk="0">
+              <a:lnSpc>
+                <a:spcPct val="80000"/>
+              </a:lnSpc>
+              <a:spcBef>
+                <a:spcPts val="2800"/>
+              </a:spcBef>
+              <a:spcAft>
+                <a:spcPts val="0"/>
+              </a:spcAft>
+              <a:buClrTx/>
+              <a:buSzTx/>
+              <a:buFontTx/>
+              <a:buNone/>
+              <a:tabLst/>
+              <a:defRPr sz="6000" b="1" i="0" u="none" strike="noStrike" cap="all" spc="0" baseline="0">
+                <a:ln>
+                  <a:noFill/>
+                </a:ln>
+                <a:solidFill>
+                  <a:schemeClr val="accent1"/>
+                </a:solidFill>
+                <a:uFillTx/>
+                <a:latin typeface="+mn-lt"/>
+                <a:ea typeface="+mn-ea"/>
+                <a:cs typeface="+mn-cs"/>
+                <a:sym typeface="Baskerville"/>
+              </a:defRPr>
+            </a:lvl2pPr>
+            <a:lvl3pPr marL="0" marR="0" indent="457200" algn="l" defTabSz="584200" rtl="0" latinLnBrk="0">
+              <a:lnSpc>
+                <a:spcPct val="80000"/>
+              </a:lnSpc>
+              <a:spcBef>
+                <a:spcPts val="2800"/>
+              </a:spcBef>
+              <a:spcAft>
+                <a:spcPts val="0"/>
+              </a:spcAft>
+              <a:buClrTx/>
+              <a:buSzTx/>
+              <a:buFontTx/>
+              <a:buNone/>
+              <a:tabLst/>
+              <a:defRPr sz="6000" b="1" i="0" u="none" strike="noStrike" cap="all" spc="0" baseline="0">
+                <a:ln>
+                  <a:noFill/>
+                </a:ln>
+                <a:solidFill>
+                  <a:schemeClr val="accent1"/>
+                </a:solidFill>
+                <a:uFillTx/>
+                <a:latin typeface="+mn-lt"/>
+                <a:ea typeface="+mn-ea"/>
+                <a:cs typeface="+mn-cs"/>
+                <a:sym typeface="Baskerville"/>
+              </a:defRPr>
+            </a:lvl3pPr>
+            <a:lvl4pPr marL="0" marR="0" indent="685800" algn="l" defTabSz="584200" rtl="0" latinLnBrk="0">
+              <a:lnSpc>
+                <a:spcPct val="80000"/>
+              </a:lnSpc>
+              <a:spcBef>
+                <a:spcPts val="2800"/>
+              </a:spcBef>
+              <a:spcAft>
+                <a:spcPts val="0"/>
+              </a:spcAft>
+              <a:buClrTx/>
+              <a:buSzTx/>
+              <a:buFontTx/>
+              <a:buNone/>
+              <a:tabLst/>
+              <a:defRPr sz="6000" b="1" i="0" u="none" strike="noStrike" cap="all" spc="0" baseline="0">
+                <a:ln>
+                  <a:noFill/>
+                </a:ln>
+                <a:solidFill>
+                  <a:schemeClr val="accent1"/>
+                </a:solidFill>
+                <a:uFillTx/>
+                <a:latin typeface="+mn-lt"/>
+                <a:ea typeface="+mn-ea"/>
+                <a:cs typeface="+mn-cs"/>
+                <a:sym typeface="Baskerville"/>
+              </a:defRPr>
+            </a:lvl4pPr>
+            <a:lvl5pPr marL="0" marR="0" indent="914400" algn="l" defTabSz="584200" rtl="0" latinLnBrk="0">
+              <a:lnSpc>
+                <a:spcPct val="80000"/>
+              </a:lnSpc>
+              <a:spcBef>
+                <a:spcPts val="2800"/>
+              </a:spcBef>
+              <a:spcAft>
+                <a:spcPts val="0"/>
+              </a:spcAft>
+              <a:buClrTx/>
+              <a:buSzTx/>
+              <a:buFontTx/>
+              <a:buNone/>
+              <a:tabLst/>
+              <a:defRPr sz="6000" b="1" i="0" u="none" strike="noStrike" cap="all" spc="0" baseline="0">
+                <a:ln>
+                  <a:noFill/>
+                </a:ln>
+                <a:solidFill>
+                  <a:schemeClr val="accent1"/>
+                </a:solidFill>
+                <a:uFillTx/>
+                <a:latin typeface="+mn-lt"/>
+                <a:ea typeface="+mn-ea"/>
+                <a:cs typeface="+mn-cs"/>
+                <a:sym typeface="Baskerville"/>
+              </a:defRPr>
+            </a:lvl5pPr>
+            <a:lvl6pPr marL="0" marR="0" indent="1143000" algn="l" defTabSz="584200" rtl="0" latinLnBrk="0">
+              <a:lnSpc>
+                <a:spcPct val="80000"/>
+              </a:lnSpc>
+              <a:spcBef>
+                <a:spcPts val="2800"/>
+              </a:spcBef>
+              <a:spcAft>
+                <a:spcPts val="0"/>
+              </a:spcAft>
+              <a:buClrTx/>
+              <a:buSzTx/>
+              <a:buFontTx/>
+              <a:buNone/>
+              <a:tabLst/>
+              <a:defRPr sz="6000" b="1" i="0" u="none" strike="noStrike" cap="all" spc="0" baseline="0">
+                <a:ln>
+                  <a:noFill/>
+                </a:ln>
+                <a:solidFill>
+                  <a:schemeClr val="accent1"/>
+                </a:solidFill>
+                <a:uFillTx/>
+                <a:latin typeface="+mn-lt"/>
+                <a:ea typeface="+mn-ea"/>
+                <a:cs typeface="+mn-cs"/>
+                <a:sym typeface="Baskerville"/>
+              </a:defRPr>
+            </a:lvl6pPr>
+            <a:lvl7pPr marL="0" marR="0" indent="1371600" algn="l" defTabSz="584200" rtl="0" latinLnBrk="0">
+              <a:lnSpc>
+                <a:spcPct val="80000"/>
+              </a:lnSpc>
+              <a:spcBef>
+                <a:spcPts val="2800"/>
+              </a:spcBef>
+              <a:spcAft>
+                <a:spcPts val="0"/>
+              </a:spcAft>
+              <a:buClrTx/>
+              <a:buSzTx/>
+              <a:buFontTx/>
+              <a:buNone/>
+              <a:tabLst/>
+              <a:defRPr sz="6000" b="1" i="0" u="none" strike="noStrike" cap="all" spc="0" baseline="0">
+                <a:ln>
+                  <a:noFill/>
+                </a:ln>
+                <a:solidFill>
+                  <a:schemeClr val="accent1"/>
+                </a:solidFill>
+                <a:uFillTx/>
+                <a:latin typeface="+mn-lt"/>
+                <a:ea typeface="+mn-ea"/>
+                <a:cs typeface="+mn-cs"/>
+                <a:sym typeface="Baskerville"/>
+              </a:defRPr>
+            </a:lvl7pPr>
+            <a:lvl8pPr marL="0" marR="0" indent="1600200" algn="l" defTabSz="584200" rtl="0" latinLnBrk="0">
+              <a:lnSpc>
+                <a:spcPct val="80000"/>
+              </a:lnSpc>
+              <a:spcBef>
+                <a:spcPts val="2800"/>
+              </a:spcBef>
+              <a:spcAft>
+                <a:spcPts val="0"/>
+              </a:spcAft>
+              <a:buClrTx/>
+              <a:buSzTx/>
+              <a:buFontTx/>
+              <a:buNone/>
+              <a:tabLst/>
+              <a:defRPr sz="6000" b="1" i="0" u="none" strike="noStrike" cap="all" spc="0" baseline="0">
+                <a:ln>
+                  <a:noFill/>
+                </a:ln>
+                <a:solidFill>
+                  <a:schemeClr val="accent1"/>
+                </a:solidFill>
+                <a:uFillTx/>
+                <a:latin typeface="+mn-lt"/>
+                <a:ea typeface="+mn-ea"/>
+                <a:cs typeface="+mn-cs"/>
+                <a:sym typeface="Baskerville"/>
+              </a:defRPr>
+            </a:lvl8pPr>
+            <a:lvl9pPr marL="0" marR="0" indent="1828800" algn="l" defTabSz="584200" rtl="0" latinLnBrk="0">
+              <a:lnSpc>
+                <a:spcPct val="80000"/>
+              </a:lnSpc>
+              <a:spcBef>
+                <a:spcPts val="2800"/>
+              </a:spcBef>
+              <a:spcAft>
+                <a:spcPts val="0"/>
+              </a:spcAft>
+              <a:buClrTx/>
+              <a:buSzTx/>
+              <a:buFontTx/>
+              <a:buNone/>
+              <a:tabLst/>
+              <a:defRPr sz="6000" b="1" i="0" u="none" strike="noStrike" cap="all" spc="0" baseline="0">
+                <a:ln>
+                  <a:noFill/>
+                </a:ln>
+                <a:solidFill>
+                  <a:schemeClr val="accent1"/>
+                </a:solidFill>
+                <a:uFillTx/>
+                <a:latin typeface="+mn-lt"/>
+                <a:ea typeface="+mn-ea"/>
+                <a:cs typeface="+mn-cs"/>
+                <a:sym typeface="Baskerville"/>
+              </a:defRPr>
+            </a:lvl9pPr>
+          </a:lstStyle>
+          <a:p>
+            <a:pPr hangingPunct="1"/>
+            <a:r>
+              <a:rPr lang="zh-CN" altLang="en-US" dirty="0" smtClean="0"/>
+              <a:t>解决办法：</a:t>
+            </a:r>
+            <a:endParaRPr lang="zh-CN" altLang="en-US" dirty="0"/>
+          </a:p>
+        </p:txBody>
+      </p:sp>
+      <p:sp>
+        <p:nvSpPr>
+          <p:cNvPr id="7" name="文本占位符 3"/>
+          <p:cNvSpPr txBox="1">
+            <a:spLocks/>
+          </p:cNvSpPr>
+          <p:nvPr/>
+        </p:nvSpPr>
+        <p:spPr>
+          <a:xfrm>
+            <a:off x="558800" y="5765800"/>
+            <a:ext cx="12192000" cy="2283691"/>
+          </a:xfrm>
+          <a:prstGeom prst="rect">
+            <a:avLst/>
+          </a:prstGeom>
+          <a:ln w="12700">
+            <a:miter lim="400000"/>
+          </a:ln>
+          <a:extLst>
+            <a:ext uri="{C572A759-6A51-4108-AA02-DFA0A04FC94B}">
+              <ma14:wrappingTextBoxFlag xmlns:ma14="http://schemas.microsoft.com/office/mac/drawingml/2011/main" xmlns="" val="1"/>
+            </a:ext>
+          </a:extLst>
+        </p:spPr>
+        <p:txBody>
+          <a:bodyPr lIns="50800" tIns="50800" rIns="50800" bIns="50800">
+            <a:normAutofit/>
+          </a:bodyPr>
+          <a:lstStyle>
+            <a:lvl1pPr marL="444500" marR="0" indent="-444500" algn="l" defTabSz="584200" latinLnBrk="0">
+              <a:lnSpc>
+                <a:spcPct val="100000"/>
+              </a:lnSpc>
+              <a:spcBef>
+                <a:spcPts val="2800"/>
+              </a:spcBef>
+              <a:spcAft>
+                <a:spcPts val="0"/>
+              </a:spcAft>
+              <a:buClr>
+                <a:schemeClr val="accent1"/>
+              </a:buClr>
+              <a:buSzPct val="104999"/>
+              <a:buFont typeface="Avenir Next"/>
+              <a:buChar char="▸"/>
+              <a:tabLst/>
+              <a:defRPr sz="3400" b="0" i="0" u="none" strike="noStrike" cap="none" spc="0" baseline="0">
+                <a:ln>
+                  <a:noFill/>
+                </a:ln>
+                <a:solidFill>
+                  <a:srgbClr val="838787"/>
+                </a:solidFill>
+                <a:uFillTx/>
+                <a:latin typeface="Avenir Next Medium"/>
+                <a:ea typeface="Avenir Next Medium"/>
+                <a:cs typeface="Avenir Next Medium"/>
+                <a:sym typeface="Avenir Next Medium"/>
+              </a:defRPr>
+            </a:lvl1pPr>
+            <a:lvl2pPr marL="889000" marR="0" indent="-444500" algn="l" defTabSz="584200" latinLnBrk="0">
+              <a:lnSpc>
+                <a:spcPct val="100000"/>
+              </a:lnSpc>
+              <a:spcBef>
+                <a:spcPts val="2800"/>
+              </a:spcBef>
+              <a:spcAft>
+                <a:spcPts val="0"/>
+              </a:spcAft>
+              <a:buClr>
+                <a:schemeClr val="accent1"/>
+              </a:buClr>
+              <a:buSzPct val="104999"/>
+              <a:buFont typeface="Avenir Next"/>
+              <a:buChar char="▸"/>
+              <a:tabLst/>
+              <a:defRPr sz="3400" b="0" i="0" u="none" strike="noStrike" cap="none" spc="0" baseline="0">
+                <a:ln>
+                  <a:noFill/>
+                </a:ln>
+                <a:solidFill>
+                  <a:srgbClr val="838787"/>
+                </a:solidFill>
+                <a:uFillTx/>
+                <a:latin typeface="Avenir Next Medium"/>
+                <a:ea typeface="Avenir Next Medium"/>
+                <a:cs typeface="Avenir Next Medium"/>
+                <a:sym typeface="Avenir Next Medium"/>
+              </a:defRPr>
+            </a:lvl2pPr>
+            <a:lvl3pPr marL="1333500" marR="0" indent="-444500" algn="l" defTabSz="584200" latinLnBrk="0">
+              <a:lnSpc>
+                <a:spcPct val="100000"/>
+              </a:lnSpc>
+              <a:spcBef>
+                <a:spcPts val="2800"/>
+              </a:spcBef>
+              <a:spcAft>
+                <a:spcPts val="0"/>
+              </a:spcAft>
+              <a:buClr>
+                <a:schemeClr val="accent1"/>
+              </a:buClr>
+              <a:buSzPct val="104999"/>
+              <a:buFont typeface="Avenir Next"/>
+              <a:buChar char="▸"/>
+              <a:tabLst/>
+              <a:defRPr sz="3400" b="0" i="0" u="none" strike="noStrike" cap="none" spc="0" baseline="0">
+                <a:ln>
+                  <a:noFill/>
+                </a:ln>
+                <a:solidFill>
+                  <a:srgbClr val="838787"/>
+                </a:solidFill>
+                <a:uFillTx/>
+                <a:latin typeface="Avenir Next Medium"/>
+                <a:ea typeface="Avenir Next Medium"/>
+                <a:cs typeface="Avenir Next Medium"/>
+                <a:sym typeface="Avenir Next Medium"/>
+              </a:defRPr>
+            </a:lvl3pPr>
+            <a:lvl4pPr marL="1778000" marR="0" indent="-444500" algn="l" defTabSz="584200" latinLnBrk="0">
+              <a:lnSpc>
+                <a:spcPct val="100000"/>
+              </a:lnSpc>
+              <a:spcBef>
+                <a:spcPts val="2800"/>
+              </a:spcBef>
+              <a:spcAft>
+                <a:spcPts val="0"/>
+              </a:spcAft>
+              <a:buClr>
+                <a:schemeClr val="accent1"/>
+              </a:buClr>
+              <a:buSzPct val="104999"/>
+              <a:buFont typeface="Avenir Next"/>
+              <a:buChar char="▸"/>
+              <a:tabLst/>
+              <a:defRPr sz="3400" b="0" i="0" u="none" strike="noStrike" cap="none" spc="0" baseline="0">
+                <a:ln>
+                  <a:noFill/>
+                </a:ln>
+                <a:solidFill>
+                  <a:srgbClr val="838787"/>
+                </a:solidFill>
+                <a:uFillTx/>
+                <a:latin typeface="Avenir Next Medium"/>
+                <a:ea typeface="Avenir Next Medium"/>
+                <a:cs typeface="Avenir Next Medium"/>
+                <a:sym typeface="Avenir Next Medium"/>
+              </a:defRPr>
+            </a:lvl4pPr>
+            <a:lvl5pPr marL="2222500" marR="0" indent="-444500" algn="l" defTabSz="584200" latinLnBrk="0">
+              <a:lnSpc>
+                <a:spcPct val="100000"/>
+              </a:lnSpc>
+              <a:spcBef>
+                <a:spcPts val="2800"/>
+              </a:spcBef>
+              <a:spcAft>
+                <a:spcPts val="0"/>
+              </a:spcAft>
+              <a:buClr>
+                <a:schemeClr val="accent1"/>
+              </a:buClr>
+              <a:buSzPct val="104999"/>
+              <a:buFont typeface="Avenir Next"/>
+              <a:buChar char="▸"/>
+              <a:tabLst/>
+              <a:defRPr sz="3400" b="0" i="0" u="none" strike="noStrike" cap="none" spc="0" baseline="0">
+                <a:ln>
+                  <a:noFill/>
+                </a:ln>
+                <a:solidFill>
+                  <a:srgbClr val="838787"/>
+                </a:solidFill>
+                <a:uFillTx/>
+                <a:latin typeface="Avenir Next Medium"/>
+                <a:ea typeface="Avenir Next Medium"/>
+                <a:cs typeface="Avenir Next Medium"/>
+                <a:sym typeface="Avenir Next Medium"/>
+              </a:defRPr>
+            </a:lvl5pPr>
+            <a:lvl6pPr marL="2667000" marR="0" indent="-444500" algn="l" defTabSz="584200" latinLnBrk="0">
+              <a:lnSpc>
+                <a:spcPct val="100000"/>
+              </a:lnSpc>
+              <a:spcBef>
+                <a:spcPts val="2800"/>
+              </a:spcBef>
+              <a:spcAft>
+                <a:spcPts val="0"/>
+              </a:spcAft>
+              <a:buClr>
+                <a:schemeClr val="accent1">
+                  <a:satOff val="-4060"/>
+                </a:schemeClr>
+              </a:buClr>
+              <a:buSzPct val="104999"/>
+              <a:buFont typeface="Avenir Next"/>
+              <a:buChar char="‣"/>
+              <a:tabLst/>
+              <a:defRPr sz="3400" b="0" i="0" u="none" strike="noStrike" cap="none" spc="0" baseline="0">
+                <a:ln>
+                  <a:noFill/>
+                </a:ln>
+                <a:solidFill>
+                  <a:srgbClr val="838787"/>
+                </a:solidFill>
+                <a:uFillTx/>
+                <a:latin typeface="Avenir Next Medium"/>
+                <a:ea typeface="Avenir Next Medium"/>
+                <a:cs typeface="Avenir Next Medium"/>
+                <a:sym typeface="Avenir Next Medium"/>
+              </a:defRPr>
+            </a:lvl6pPr>
+            <a:lvl7pPr marL="3111500" marR="0" indent="-444500" algn="l" defTabSz="584200" latinLnBrk="0">
+              <a:lnSpc>
+                <a:spcPct val="100000"/>
+              </a:lnSpc>
+              <a:spcBef>
+                <a:spcPts val="2800"/>
+              </a:spcBef>
+              <a:spcAft>
+                <a:spcPts val="0"/>
+              </a:spcAft>
+              <a:buClr>
+                <a:schemeClr val="accent1">
+                  <a:satOff val="-4060"/>
+                </a:schemeClr>
+              </a:buClr>
+              <a:buSzPct val="104999"/>
+              <a:buFont typeface="Avenir Next"/>
+              <a:buChar char="‣"/>
+              <a:tabLst/>
+              <a:defRPr sz="3400" b="0" i="0" u="none" strike="noStrike" cap="none" spc="0" baseline="0">
+                <a:ln>
+                  <a:noFill/>
+                </a:ln>
+                <a:solidFill>
+                  <a:srgbClr val="838787"/>
+                </a:solidFill>
+                <a:uFillTx/>
+                <a:latin typeface="Avenir Next Medium"/>
+                <a:ea typeface="Avenir Next Medium"/>
+                <a:cs typeface="Avenir Next Medium"/>
+                <a:sym typeface="Avenir Next Medium"/>
+              </a:defRPr>
+            </a:lvl7pPr>
+            <a:lvl8pPr marL="3556000" marR="0" indent="-444500" algn="l" defTabSz="584200" latinLnBrk="0">
+              <a:lnSpc>
+                <a:spcPct val="100000"/>
+              </a:lnSpc>
+              <a:spcBef>
+                <a:spcPts val="2800"/>
+              </a:spcBef>
+              <a:spcAft>
+                <a:spcPts val="0"/>
+              </a:spcAft>
+              <a:buClr>
+                <a:schemeClr val="accent1">
+                  <a:satOff val="-4060"/>
+                </a:schemeClr>
+              </a:buClr>
+              <a:buSzPct val="104999"/>
+              <a:buFont typeface="Avenir Next"/>
+              <a:buChar char="‣"/>
+              <a:tabLst/>
+              <a:defRPr sz="3400" b="0" i="0" u="none" strike="noStrike" cap="none" spc="0" baseline="0">
+                <a:ln>
+                  <a:noFill/>
+                </a:ln>
+                <a:solidFill>
+                  <a:srgbClr val="838787"/>
+                </a:solidFill>
+                <a:uFillTx/>
+                <a:latin typeface="Avenir Next Medium"/>
+                <a:ea typeface="Avenir Next Medium"/>
+                <a:cs typeface="Avenir Next Medium"/>
+                <a:sym typeface="Avenir Next Medium"/>
+              </a:defRPr>
+            </a:lvl8pPr>
+            <a:lvl9pPr marL="4000500" marR="0" indent="-444500" algn="l" defTabSz="584200" latinLnBrk="0">
+              <a:lnSpc>
+                <a:spcPct val="100000"/>
+              </a:lnSpc>
+              <a:spcBef>
+                <a:spcPts val="2800"/>
+              </a:spcBef>
+              <a:spcAft>
+                <a:spcPts val="0"/>
+              </a:spcAft>
+              <a:buClr>
+                <a:schemeClr val="accent1">
+                  <a:satOff val="-4060"/>
+                </a:schemeClr>
+              </a:buClr>
+              <a:buSzPct val="104999"/>
+              <a:buFont typeface="Avenir Next"/>
+              <a:buChar char="‣"/>
+              <a:tabLst/>
+              <a:defRPr sz="3400" b="0" i="0" u="none" strike="noStrike" cap="none" spc="0" baseline="0">
+                <a:ln>
+                  <a:noFill/>
+                </a:ln>
+                <a:solidFill>
+                  <a:srgbClr val="838787"/>
+                </a:solidFill>
+                <a:uFillTx/>
+                <a:latin typeface="Avenir Next Medium"/>
+                <a:ea typeface="Avenir Next Medium"/>
+                <a:cs typeface="Avenir Next Medium"/>
+                <a:sym typeface="Avenir Next Medium"/>
+              </a:defRPr>
+            </a:lvl9pPr>
+          </a:lstStyle>
+          <a:p>
+            <a:pPr hangingPunct="1"/>
+            <a:r>
+              <a:rPr lang="zh-CN" altLang="en-US" dirty="0" smtClean="0"/>
+              <a:t>在后期维护时增加辅助类执行</a:t>
+            </a:r>
+            <a:r>
+              <a:rPr lang="en-US" altLang="zh-CN" dirty="0" err="1" smtClean="0"/>
+              <a:t>mysql</a:t>
+            </a:r>
+            <a:r>
+              <a:rPr lang="zh-CN" altLang="en-US" dirty="0" smtClean="0"/>
+              <a:t>语句</a:t>
+            </a:r>
+            <a:endParaRPr lang="en-US" altLang="zh-CN" dirty="0" smtClean="0"/>
+          </a:p>
+          <a:p>
+            <a:pPr hangingPunct="1"/>
+            <a:r>
+              <a:rPr lang="zh-CN" altLang="en-US" dirty="0" smtClean="0"/>
+              <a:t>精简逻辑，与逻辑层沟通转移逻辑处理</a:t>
+            </a:r>
+            <a:endParaRPr lang="zh-CN" altLang="en-US" dirty="0"/>
+          </a:p>
+        </p:txBody>
+      </p:sp>
+    </p:spTree>
+    <p:extLst>
+      <p:ext uri="{BB962C8B-B14F-4D97-AF65-F5344CB8AC3E}">
+        <p14:creationId xmlns:p14="http://schemas.microsoft.com/office/powerpoint/2010/main" val="3281641359"/>
+      </p:ext>
+    </p:extLst>
+  </p:cSld>
+  <p:clrMapOvr>
+    <a:masterClrMapping/>
+  </p:clrMapOvr>
+  <p:transition spd="med"/>
+  <p:timing>
+    <p:tnLst>
+      <p:par>
+        <p:cTn id="1" dur="indefinite" restart="never" nodeType="tmRoot"/>
+      </p:par>
+    </p:tnLst>
+  </p:timing>
 </p:sld>
 </file>
 

--- a/文档相关/演示.pptx
+++ b/文档相关/演示.pptx
@@ -5,7 +5,7 @@
     <p:sldMasterId id="2147483648" r:id="rId1"/>
   </p:sldMasterIdLst>
   <p:notesMasterIdLst>
-    <p:notesMasterId r:id="rId32"/>
+    <p:notesMasterId r:id="rId33"/>
   </p:notesMasterIdLst>
   <p:sldIdLst>
     <p:sldId id="256" r:id="rId2"/>
@@ -20,24 +20,25 @@
     <p:sldId id="265" r:id="rId11"/>
     <p:sldId id="266" r:id="rId12"/>
     <p:sldId id="267" r:id="rId13"/>
-    <p:sldId id="268" r:id="rId14"/>
-    <p:sldId id="269" r:id="rId15"/>
-    <p:sldId id="270" r:id="rId16"/>
-    <p:sldId id="271" r:id="rId17"/>
-    <p:sldId id="272" r:id="rId18"/>
-    <p:sldId id="273" r:id="rId19"/>
-    <p:sldId id="274" r:id="rId20"/>
-    <p:sldId id="275" r:id="rId21"/>
-    <p:sldId id="276" r:id="rId22"/>
-    <p:sldId id="278" r:id="rId23"/>
-    <p:sldId id="277" r:id="rId24"/>
-    <p:sldId id="279" r:id="rId25"/>
-    <p:sldId id="280" r:id="rId26"/>
-    <p:sldId id="281" r:id="rId27"/>
-    <p:sldId id="282" r:id="rId28"/>
-    <p:sldId id="283" r:id="rId29"/>
-    <p:sldId id="284" r:id="rId30"/>
-    <p:sldId id="285" r:id="rId31"/>
+    <p:sldId id="286" r:id="rId14"/>
+    <p:sldId id="287" r:id="rId15"/>
+    <p:sldId id="288" r:id="rId16"/>
+    <p:sldId id="289" r:id="rId17"/>
+    <p:sldId id="290" r:id="rId18"/>
+    <p:sldId id="291" r:id="rId19"/>
+    <p:sldId id="292" r:id="rId20"/>
+    <p:sldId id="293" r:id="rId21"/>
+    <p:sldId id="294" r:id="rId22"/>
+    <p:sldId id="295" r:id="rId23"/>
+    <p:sldId id="278" r:id="rId24"/>
+    <p:sldId id="277" r:id="rId25"/>
+    <p:sldId id="279" r:id="rId26"/>
+    <p:sldId id="280" r:id="rId27"/>
+    <p:sldId id="281" r:id="rId28"/>
+    <p:sldId id="282" r:id="rId29"/>
+    <p:sldId id="283" r:id="rId30"/>
+    <p:sldId id="284" r:id="rId31"/>
+    <p:sldId id="285" r:id="rId32"/>
   </p:sldIdLst>
   <p:sldSz cx="13004800" cy="9753600"/>
   <p:notesSz cx="6858000" cy="9144000"/>
@@ -3854,7 +3855,7 @@
           </a:ln>
           <a:extLst>
             <a:ext uri="{C572A759-6A51-4108-AA02-DFA0A04FC94B}">
-              <ma14:wrappingTextBoxFlag xmlns:ma14="http://schemas.microsoft.com/office/mac/drawingml/2011/main" xmlns="" val="1"/>
+              <ma14:wrappingTextBoxFlag xmlns:ma14="http://schemas.microsoft.com/office/mac/drawingml/2011/main" val="1"/>
             </a:ext>
           </a:extLst>
         </p:spPr>
@@ -3893,7 +3894,7 @@
           </a:ln>
           <a:extLst>
             <a:ext uri="{C572A759-6A51-4108-AA02-DFA0A04FC94B}">
-              <ma14:wrappingTextBoxFlag xmlns:ma14="http://schemas.microsoft.com/office/mac/drawingml/2011/main" xmlns="" val="1"/>
+              <ma14:wrappingTextBoxFlag xmlns:ma14="http://schemas.microsoft.com/office/mac/drawingml/2011/main" val="1"/>
             </a:ext>
           </a:extLst>
         </p:spPr>
@@ -5294,7 +5295,7 @@
           </a:ln>
           <a:extLst>
             <a:ext uri="{C572A759-6A51-4108-AA02-DFA0A04FC94B}">
-              <ma14:wrappingTextBoxFlag xmlns:ma14="http://schemas.microsoft.com/office/mac/drawingml/2011/main" xmlns="" val="1"/>
+              <ma14:wrappingTextBoxFlag xmlns:ma14="http://schemas.microsoft.com/office/mac/drawingml/2011/main" val="1"/>
             </a:ext>
           </a:extLst>
         </p:spPr>
@@ -5340,7 +5341,7 @@
           </a:ln>
           <a:extLst>
             <a:ext uri="{C572A759-6A51-4108-AA02-DFA0A04FC94B}">
-              <ma14:wrappingTextBoxFlag xmlns:ma14="http://schemas.microsoft.com/office/mac/drawingml/2011/main" xmlns="" val="1"/>
+              <ma14:wrappingTextBoxFlag xmlns:ma14="http://schemas.microsoft.com/office/mac/drawingml/2011/main" val="1"/>
             </a:ext>
           </a:extLst>
         </p:spPr>
@@ -5393,7 +5394,7 @@
           </a:ln>
           <a:extLst>
             <a:ext uri="{C572A759-6A51-4108-AA02-DFA0A04FC94B}">
-              <ma14:wrappingTextBoxFlag xmlns:ma14="http://schemas.microsoft.com/office/mac/drawingml/2011/main" xmlns="" val="1"/>
+              <ma14:wrappingTextBoxFlag xmlns:ma14="http://schemas.microsoft.com/office/mac/drawingml/2011/main" val="1"/>
             </a:ext>
           </a:extLst>
         </p:spPr>
@@ -5489,6 +5490,11 @@
         </p:txBody>
       </p:sp>
     </p:spTree>
+    <p:extLst>
+      <p:ext uri="{BB962C8B-B14F-4D97-AF65-F5344CB8AC3E}">
+        <p14:creationId xmlns:p14="http://schemas.microsoft.com/office/powerpoint/2010/main" val="1137003988"/>
+      </p:ext>
+    </p:extLst>
   </p:cSld>
   <p:clrMapOvr>
     <a:masterClrMapping/>
@@ -6109,7 +6115,7 @@
           </a:ln>
           <a:extLst>
             <a:ext uri="{C572A759-6A51-4108-AA02-DFA0A04FC94B}">
-              <ma14:wrappingTextBoxFlag xmlns:ma14="http://schemas.microsoft.com/office/mac/drawingml/2011/main" xmlns="" val="1"/>
+              <ma14:wrappingTextBoxFlag xmlns:ma14="http://schemas.microsoft.com/office/mac/drawingml/2011/main" val="1"/>
             </a:ext>
           </a:extLst>
         </p:spPr>
@@ -6156,7 +6162,7 @@
           </a:ln>
           <a:extLst>
             <a:ext uri="{C572A759-6A51-4108-AA02-DFA0A04FC94B}">
-              <ma14:wrappingTextBoxFlag xmlns:ma14="http://schemas.microsoft.com/office/mac/drawingml/2011/main" xmlns="" val="1"/>
+              <ma14:wrappingTextBoxFlag xmlns:ma14="http://schemas.microsoft.com/office/mac/drawingml/2011/main" val="1"/>
             </a:ext>
           </a:extLst>
         </p:spPr>
@@ -6280,7 +6286,7 @@
           </a:ln>
           <a:extLst>
             <a:ext uri="{C572A759-6A51-4108-AA02-DFA0A04FC94B}">
-              <ma14:wrappingTextBoxFlag xmlns:ma14="http://schemas.microsoft.com/office/mac/drawingml/2011/main" xmlns="" val="1"/>
+              <ma14:wrappingTextBoxFlag xmlns:ma14="http://schemas.microsoft.com/office/mac/drawingml/2011/main" val="1"/>
             </a:ext>
           </a:extLst>
         </p:spPr>
@@ -6314,7 +6320,65 @@
           </a:p>
         </p:txBody>
       </p:sp>
+      <p:sp>
+        <p:nvSpPr>
+          <p:cNvPr id="236" name="Shape 236"/>
+          <p:cNvSpPr/>
+          <p:nvPr/>
+        </p:nvSpPr>
+        <p:spPr>
+          <a:xfrm>
+            <a:off x="468719" y="318104"/>
+            <a:ext cx="4946657" cy="1444291"/>
+          </a:xfrm>
+          <a:prstGeom prst="rect">
+            <a:avLst/>
+          </a:prstGeom>
+          <a:ln w="12700">
+            <a:miter lim="400000"/>
+          </a:ln>
+          <a:extLst>
+            <a:ext uri="{C572A759-6A51-4108-AA02-DFA0A04FC94B}">
+              <ma14:wrappingTextBoxFlag xmlns:ma14="http://schemas.microsoft.com/office/mac/drawingml/2011/main" val="1"/>
+            </a:ext>
+          </a:extLst>
+        </p:spPr>
+        <p:txBody>
+          <a:bodyPr lIns="50800" tIns="50800" rIns="50800" bIns="50800">
+            <a:normAutofit/>
+          </a:bodyPr>
+          <a:lstStyle>
+            <a:lvl1pPr defTabSz="397256">
+              <a:lnSpc>
+                <a:spcPct val="80000"/>
+              </a:lnSpc>
+              <a:spcBef>
+                <a:spcPts val="1900"/>
+              </a:spcBef>
+              <a:defRPr sz="3808" b="1" cap="all">
+                <a:solidFill>
+                  <a:srgbClr val="FFFFFF"/>
+                </a:solidFill>
+                <a:latin typeface="+mn-lt"/>
+                <a:ea typeface="+mn-ea"/>
+                <a:cs typeface="+mn-cs"/>
+                <a:sym typeface="Baskerville"/>
+              </a:defRPr>
+            </a:lvl1pPr>
+          </a:lstStyle>
+          <a:p>
+            <a:r>
+              <a:t>1.体系结构的创建</a:t>
+            </a:r>
+          </a:p>
+        </p:txBody>
+      </p:sp>
     </p:spTree>
+    <p:extLst>
+      <p:ext uri="{BB962C8B-B14F-4D97-AF65-F5344CB8AC3E}">
+        <p14:creationId xmlns:p14="http://schemas.microsoft.com/office/powerpoint/2010/main" val="1316535310"/>
+      </p:ext>
+    </p:extLst>
   </p:cSld>
   <p:clrMapOvr>
     <a:masterClrMapping/>
@@ -6341,7 +6405,7 @@
                             </p:stCondLst>
                             <p:childTnLst>
                               <p:par>
-                                <p:cTn id="5" presetID="23" presetClass="entr" presetSubtype="16" fill="hold" grpId="1" nodeType="clickEffect">
+                                <p:cTn id="5" presetID="23" presetClass="entr" presetSubtype="16" fill="hold" grpId="0" nodeType="clickEffect">
                                   <p:stCondLst>
                                     <p:cond delay="0"/>
                                   </p:stCondLst>
@@ -6440,7 +6504,7 @@
       </p:par>
     </p:tnLst>
     <p:bldLst>
-      <p:bldP spid="225" grpId="1" animBg="1" advAuto="0"/>
+      <p:bldP spid="225" grpId="0" animBg="1" advAuto="0"/>
     </p:bldLst>
   </p:timing>
 </p:sld>
@@ -6465,7 +6529,7 @@
       </p:grpSpPr>
       <p:sp>
         <p:nvSpPr>
-          <p:cNvPr id="237" name="Shape 237"/>
+          <p:cNvPr id="238" name="Shape 238"/>
           <p:cNvSpPr>
             <a:spLocks noGrp="1"/>
           </p:cNvSpPr>
@@ -6501,7 +6565,7 @@
       </p:sp>
       <p:sp>
         <p:nvSpPr>
-          <p:cNvPr id="238" name="Shape 238"/>
+          <p:cNvPr id="239" name="Shape 239"/>
           <p:cNvSpPr/>
           <p:nvPr/>
         </p:nvSpPr>
@@ -6518,7 +6582,7 @@
           </a:ln>
           <a:extLst>
             <a:ext uri="{C572A759-6A51-4108-AA02-DFA0A04FC94B}">
-              <ma14:wrappingTextBoxFlag xmlns:ma14="http://schemas.microsoft.com/office/mac/drawingml/2011/main" xmlns="" val="1"/>
+              <ma14:wrappingTextBoxFlag xmlns:ma14="http://schemas.microsoft.com/office/mac/drawingml/2011/main" val="1"/>
             </a:ext>
           </a:extLst>
         </p:spPr>
@@ -6554,7 +6618,7 @@
       </p:sp>
       <p:sp>
         <p:nvSpPr>
-          <p:cNvPr id="239" name="Shape 239"/>
+          <p:cNvPr id="240" name="Shape 240"/>
           <p:cNvSpPr/>
           <p:nvPr/>
         </p:nvSpPr>
@@ -6571,7 +6635,7 @@
           </a:ln>
           <a:extLst>
             <a:ext uri="{C572A759-6A51-4108-AA02-DFA0A04FC94B}">
-              <ma14:wrappingTextBoxFlag xmlns:ma14="http://schemas.microsoft.com/office/mac/drawingml/2011/main" xmlns="" val="1"/>
+              <ma14:wrappingTextBoxFlag xmlns:ma14="http://schemas.microsoft.com/office/mac/drawingml/2011/main" val="1"/>
             </a:ext>
           </a:extLst>
         </p:spPr>
@@ -6691,6 +6755,11 @@
         </p:txBody>
       </p:sp>
     </p:spTree>
+    <p:extLst>
+      <p:ext uri="{BB962C8B-B14F-4D97-AF65-F5344CB8AC3E}">
+        <p14:creationId xmlns:p14="http://schemas.microsoft.com/office/powerpoint/2010/main" val="1484940129"/>
+      </p:ext>
+    </p:extLst>
   </p:cSld>
   <p:clrMapOvr>
     <a:masterClrMapping/>
@@ -6718,7 +6787,7 @@
       </p:grpSpPr>
       <p:sp>
         <p:nvSpPr>
-          <p:cNvPr id="241" name="Shape 241"/>
+          <p:cNvPr id="242" name="Shape 242"/>
           <p:cNvSpPr>
             <a:spLocks noGrp="1"/>
           </p:cNvSpPr>
@@ -6754,7 +6823,7 @@
       </p:sp>
       <p:sp>
         <p:nvSpPr>
-          <p:cNvPr id="242" name="Shape 242"/>
+          <p:cNvPr id="243" name="Shape 243"/>
           <p:cNvSpPr/>
           <p:nvPr/>
         </p:nvSpPr>
@@ -6771,7 +6840,7 @@
           </a:ln>
           <a:extLst>
             <a:ext uri="{C572A759-6A51-4108-AA02-DFA0A04FC94B}">
-              <ma14:wrappingTextBoxFlag xmlns:ma14="http://schemas.microsoft.com/office/mac/drawingml/2011/main" xmlns="" val="1"/>
+              <ma14:wrappingTextBoxFlag xmlns:ma14="http://schemas.microsoft.com/office/mac/drawingml/2011/main" val="1"/>
             </a:ext>
           </a:extLst>
         </p:spPr>
@@ -6892,7 +6961,7 @@
       </p:sp>
       <p:pic>
         <p:nvPicPr>
-          <p:cNvPr id="243" name="屏幕快照 2016-12-21 下午11.34.49.png"/>
+          <p:cNvPr id="244" name="屏幕快照 2016-12-21 下午11.34.49.png"/>
           <p:cNvPicPr>
             <a:picLocks noChangeAspect="1"/>
           </p:cNvPicPr>
@@ -6921,7 +6990,7 @@
       </p:pic>
       <p:pic>
         <p:nvPicPr>
-          <p:cNvPr id="244" name="屏幕快照 2016-12-21 下午11.35.43.png"/>
+          <p:cNvPr id="245" name="屏幕快照 2016-12-21 下午11.35.43.png"/>
           <p:cNvPicPr>
             <a:picLocks noChangeAspect="1"/>
           </p:cNvPicPr>
@@ -6949,6 +7018,11 @@
         </p:spPr>
       </p:pic>
     </p:spTree>
+    <p:extLst>
+      <p:ext uri="{BB962C8B-B14F-4D97-AF65-F5344CB8AC3E}">
+        <p14:creationId xmlns:p14="http://schemas.microsoft.com/office/powerpoint/2010/main" val="1481286316"/>
+      </p:ext>
+    </p:extLst>
   </p:cSld>
   <p:clrMapOvr>
     <a:masterClrMapping/>
@@ -6976,7 +7050,7 @@
       </p:grpSpPr>
       <p:sp>
         <p:nvSpPr>
-          <p:cNvPr id="246" name="Shape 246"/>
+          <p:cNvPr id="247" name="Shape 247"/>
           <p:cNvSpPr>
             <a:spLocks noGrp="1"/>
           </p:cNvSpPr>
@@ -6986,8 +7060,8 @@
         </p:nvSpPr>
         <p:spPr>
           <a:xfrm>
-            <a:off x="560467" y="1066632"/>
-            <a:ext cx="6365355" cy="1159002"/>
+            <a:off x="1187867" y="1993784"/>
+            <a:ext cx="12192001" cy="1372091"/>
           </a:xfrm>
           <a:prstGeom prst="rect">
             <a:avLst/>
@@ -6995,162 +7069,17 @@
         </p:spPr>
         <p:txBody>
           <a:bodyPr/>
-          <a:lstStyle>
-            <a:lvl1pPr defTabSz="578358">
-              <a:spcBef>
-                <a:spcPts val="2700"/>
-              </a:spcBef>
-              <a:defRPr sz="5940"/>
-            </a:lvl1pPr>
-          </a:lstStyle>
-          <a:p>
-            <a:r>
-              <a:t>设计模式：</a:t>
-            </a:r>
-          </a:p>
-        </p:txBody>
-      </p:sp>
-      <p:sp>
-        <p:nvSpPr>
-          <p:cNvPr id="247" name="Shape 247"/>
-          <p:cNvSpPr/>
-          <p:nvPr/>
-        </p:nvSpPr>
-        <p:spPr>
-          <a:xfrm>
-            <a:off x="1533162" y="2625609"/>
-            <a:ext cx="10141106" cy="3431636"/>
-          </a:xfrm>
-          <a:prstGeom prst="rect">
-            <a:avLst/>
-          </a:prstGeom>
-          <a:ln w="12700">
-            <a:miter lim="400000"/>
-          </a:ln>
-          <a:extLst>
-            <a:ext uri="{C572A759-6A51-4108-AA02-DFA0A04FC94B}">
-              <ma14:wrappingTextBoxFlag xmlns:ma14="http://schemas.microsoft.com/office/mac/drawingml/2011/main" xmlns="" val="1"/>
-            </a:ext>
-          </a:extLst>
-        </p:spPr>
-        <p:txBody>
-          <a:bodyPr lIns="50800" tIns="50800" rIns="50800" bIns="50800">
-            <a:normAutofit/>
-          </a:bodyPr>
           <a:lstStyle/>
           <a:p>
-            <a:pPr defTabSz="327152">
-              <a:lnSpc>
-                <a:spcPct val="80000"/>
-              </a:lnSpc>
-              <a:spcBef>
-                <a:spcPts val="1500"/>
-              </a:spcBef>
-              <a:defRPr sz="3359" b="1" cap="all">
-                <a:solidFill>
-                  <a:schemeClr val="accent1"/>
-                </a:solidFill>
-                <a:latin typeface="+mn-lt"/>
-                <a:ea typeface="+mn-ea"/>
-                <a:cs typeface="+mn-cs"/>
-                <a:sym typeface="Baskerville"/>
-              </a:defRPr>
-            </a:pPr>
-            <a:r>
-              <a:t>工厂模式+策略模式+单例模式合用</a:t>
-            </a:r>
-          </a:p>
-          <a:p>
-            <a:pPr defTabSz="327152">
-              <a:lnSpc>
-                <a:spcPct val="80000"/>
-              </a:lnSpc>
-              <a:spcBef>
-                <a:spcPts val="1500"/>
-              </a:spcBef>
-              <a:defRPr sz="3359" b="1" cap="all">
-                <a:solidFill>
-                  <a:schemeClr val="accent1"/>
-                </a:solidFill>
-                <a:latin typeface="+mn-lt"/>
-                <a:ea typeface="+mn-ea"/>
-                <a:cs typeface="+mn-cs"/>
-                <a:sym typeface="Baskerville"/>
-              </a:defRPr>
-            </a:pPr>
-            <a:r>
-              <a:t>——&gt;应对修改</a:t>
-            </a:r>
-          </a:p>
-          <a:p>
-            <a:pPr defTabSz="327152">
-              <a:lnSpc>
-                <a:spcPct val="80000"/>
-              </a:lnSpc>
-              <a:spcBef>
-                <a:spcPts val="1500"/>
-              </a:spcBef>
-              <a:defRPr sz="3359" b="1" cap="all">
-                <a:solidFill>
-                  <a:schemeClr val="accent1"/>
-                </a:solidFill>
-                <a:latin typeface="+mn-lt"/>
-                <a:ea typeface="+mn-ea"/>
-                <a:cs typeface="+mn-cs"/>
-                <a:sym typeface="Baskerville"/>
-              </a:defRPr>
-            </a:pPr>
-            <a:r>
-              <a:t>——&gt;解决代码重复和逻辑重复</a:t>
-            </a:r>
-          </a:p>
-          <a:p>
-            <a:pPr defTabSz="327152">
-              <a:lnSpc>
-                <a:spcPct val="80000"/>
-              </a:lnSpc>
-              <a:spcBef>
-                <a:spcPts val="1500"/>
-              </a:spcBef>
-              <a:defRPr sz="3359" b="1" cap="all">
-                <a:solidFill>
-                  <a:schemeClr val="accent1"/>
-                </a:solidFill>
-                <a:latin typeface="+mn-lt"/>
-                <a:ea typeface="+mn-ea"/>
-                <a:cs typeface="+mn-cs"/>
-                <a:sym typeface="Baskerville"/>
-              </a:defRPr>
-            </a:pPr>
-            <a:endParaRPr/>
-          </a:p>
-          <a:p>
-            <a:pPr defTabSz="327152">
-              <a:lnSpc>
-                <a:spcPct val="80000"/>
-              </a:lnSpc>
-              <a:spcBef>
-                <a:spcPts val="1500"/>
-              </a:spcBef>
-              <a:defRPr sz="3359" b="1" cap="all">
-                <a:solidFill>
-                  <a:schemeClr val="accent1"/>
-                </a:solidFill>
-                <a:latin typeface="+mn-lt"/>
-                <a:ea typeface="+mn-ea"/>
-                <a:cs typeface="+mn-cs"/>
-                <a:sym typeface="Baskerville"/>
-              </a:defRPr>
-            </a:pPr>
-            <a:r>
-              <a:t>在promotion、hotel、orderlist均有应用</a:t>
+            <a:r>
+              <a:t>最终：</a:t>
             </a:r>
           </a:p>
         </p:txBody>
       </p:sp>
       <p:pic>
         <p:nvPicPr>
-          <p:cNvPr id="248" name="屏幕快照 2016-12-21 下午11.37.04.png"/>
+          <p:cNvPr id="248" name="屏幕快照 2016-12-21 下午11.12.59.png"/>
           <p:cNvPicPr>
             <a:picLocks noChangeAspect="1"/>
           </p:cNvPicPr>
@@ -7166,8 +7095,8 @@
         </p:blipFill>
         <p:spPr>
           <a:xfrm>
-            <a:off x="2281419" y="6457221"/>
-            <a:ext cx="5537201" cy="1955801"/>
+            <a:off x="4477953" y="2195912"/>
+            <a:ext cx="7106466" cy="5961102"/>
           </a:xfrm>
           <a:prstGeom prst="rect">
             <a:avLst/>
@@ -7178,6 +7107,11 @@
         </p:spPr>
       </p:pic>
     </p:spTree>
+    <p:extLst>
+      <p:ext uri="{BB962C8B-B14F-4D97-AF65-F5344CB8AC3E}">
+        <p14:creationId xmlns:p14="http://schemas.microsoft.com/office/powerpoint/2010/main" val="201193341"/>
+      </p:ext>
+    </p:extLst>
   </p:cSld>
   <p:clrMapOvr>
     <a:masterClrMapping/>
@@ -7203,9 +7137,187 @@
           <a:chExt cx="0" cy="0"/>
         </a:xfrm>
       </p:grpSpPr>
+      <p:sp>
+        <p:nvSpPr>
+          <p:cNvPr id="250" name="Shape 250"/>
+          <p:cNvSpPr>
+            <a:spLocks noGrp="1"/>
+          </p:cNvSpPr>
+          <p:nvPr>
+            <p:ph type="title"/>
+          </p:nvPr>
+        </p:nvSpPr>
+        <p:spPr>
+          <a:xfrm>
+            <a:off x="560467" y="122973"/>
+            <a:ext cx="4632856" cy="870041"/>
+          </a:xfrm>
+          <a:prstGeom prst="rect">
+            <a:avLst/>
+          </a:prstGeom>
+        </p:spPr>
+        <p:txBody>
+          <a:bodyPr/>
+          <a:lstStyle>
+            <a:lvl1pPr defTabSz="426466">
+              <a:spcBef>
+                <a:spcPts val="2000"/>
+              </a:spcBef>
+              <a:defRPr sz="4380">
+                <a:solidFill>
+                  <a:srgbClr val="FFFFFF"/>
+                </a:solidFill>
+              </a:defRPr>
+            </a:lvl1pPr>
+          </a:lstStyle>
+          <a:p>
+            <a:r>
+              <a:t>2.设计模式：</a:t>
+            </a:r>
+          </a:p>
+        </p:txBody>
+      </p:sp>
+      <p:sp>
+        <p:nvSpPr>
+          <p:cNvPr id="251" name="Shape 251"/>
+          <p:cNvSpPr/>
+          <p:nvPr/>
+        </p:nvSpPr>
+        <p:spPr>
+          <a:xfrm>
+            <a:off x="1533162" y="2625609"/>
+            <a:ext cx="10141106" cy="3431636"/>
+          </a:xfrm>
+          <a:prstGeom prst="rect">
+            <a:avLst/>
+          </a:prstGeom>
+          <a:ln w="12700">
+            <a:miter lim="400000"/>
+          </a:ln>
+          <a:extLst>
+            <a:ext uri="{C572A759-6A51-4108-AA02-DFA0A04FC94B}">
+              <ma14:wrappingTextBoxFlag xmlns:ma14="http://schemas.microsoft.com/office/mac/drawingml/2011/main" val="1"/>
+            </a:ext>
+          </a:extLst>
+        </p:spPr>
+        <p:txBody>
+          <a:bodyPr lIns="50800" tIns="50800" rIns="50800" bIns="50800">
+            <a:normAutofit/>
+          </a:bodyPr>
+          <a:lstStyle/>
+          <a:p>
+            <a:pPr defTabSz="327152">
+              <a:lnSpc>
+                <a:spcPct val="80000"/>
+              </a:lnSpc>
+              <a:spcBef>
+                <a:spcPts val="1500"/>
+              </a:spcBef>
+              <a:defRPr sz="3359" b="1" cap="all">
+                <a:solidFill>
+                  <a:schemeClr val="accent1"/>
+                </a:solidFill>
+                <a:latin typeface="+mn-lt"/>
+                <a:ea typeface="+mn-ea"/>
+                <a:cs typeface="+mn-cs"/>
+                <a:sym typeface="Baskerville"/>
+              </a:defRPr>
+            </a:pPr>
+            <a:r>
+              <a:t>工厂模式+策略模式+单例模式合用</a:t>
+            </a:r>
+          </a:p>
+          <a:p>
+            <a:pPr defTabSz="327152">
+              <a:lnSpc>
+                <a:spcPct val="80000"/>
+              </a:lnSpc>
+              <a:spcBef>
+                <a:spcPts val="1500"/>
+              </a:spcBef>
+              <a:defRPr sz="3359" b="1" cap="all">
+                <a:solidFill>
+                  <a:schemeClr val="accent1"/>
+                </a:solidFill>
+                <a:latin typeface="+mn-lt"/>
+                <a:ea typeface="+mn-ea"/>
+                <a:cs typeface="+mn-cs"/>
+                <a:sym typeface="Baskerville"/>
+              </a:defRPr>
+            </a:pPr>
+            <a:r>
+              <a:t>——&gt;应对修改</a:t>
+            </a:r>
+          </a:p>
+          <a:p>
+            <a:pPr defTabSz="327152">
+              <a:lnSpc>
+                <a:spcPct val="80000"/>
+              </a:lnSpc>
+              <a:spcBef>
+                <a:spcPts val="1500"/>
+              </a:spcBef>
+              <a:defRPr sz="3359" b="1" cap="all">
+                <a:solidFill>
+                  <a:schemeClr val="accent1"/>
+                </a:solidFill>
+                <a:latin typeface="+mn-lt"/>
+                <a:ea typeface="+mn-ea"/>
+                <a:cs typeface="+mn-cs"/>
+                <a:sym typeface="Baskerville"/>
+              </a:defRPr>
+            </a:pPr>
+            <a:r>
+              <a:t>——&gt;解决代码重复和逻辑重复</a:t>
+            </a:r>
+          </a:p>
+          <a:p>
+            <a:pPr defTabSz="327152">
+              <a:lnSpc>
+                <a:spcPct val="80000"/>
+              </a:lnSpc>
+              <a:spcBef>
+                <a:spcPts val="1500"/>
+              </a:spcBef>
+              <a:defRPr sz="3359" b="1" cap="all">
+                <a:solidFill>
+                  <a:schemeClr val="accent1"/>
+                </a:solidFill>
+                <a:latin typeface="+mn-lt"/>
+                <a:ea typeface="+mn-ea"/>
+                <a:cs typeface="+mn-cs"/>
+                <a:sym typeface="Baskerville"/>
+              </a:defRPr>
+            </a:pPr>
+            <a:endParaRPr/>
+          </a:p>
+          <a:p>
+            <a:pPr defTabSz="327152">
+              <a:lnSpc>
+                <a:spcPct val="80000"/>
+              </a:lnSpc>
+              <a:spcBef>
+                <a:spcPts val="1500"/>
+              </a:spcBef>
+              <a:defRPr sz="3359" b="1" cap="all">
+                <a:solidFill>
+                  <a:schemeClr val="accent1"/>
+                </a:solidFill>
+                <a:latin typeface="+mn-lt"/>
+                <a:ea typeface="+mn-ea"/>
+                <a:cs typeface="+mn-cs"/>
+                <a:sym typeface="Baskerville"/>
+              </a:defRPr>
+            </a:pPr>
+            <a:r>
+              <a:t>在promotion、hotel、orderlist均有应用</a:t>
+            </a:r>
+          </a:p>
+        </p:txBody>
+      </p:sp>
       <p:pic>
         <p:nvPicPr>
-          <p:cNvPr id="250" name="屏幕快照 2016-12-21 下午11.40.51.png"/>
+          <p:cNvPr id="252" name="屏幕快照 2016-12-21 下午11.37.04.png"/>
           <p:cNvPicPr>
             <a:picLocks noChangeAspect="1"/>
           </p:cNvPicPr>
@@ -7221,8 +7333,8 @@
         </p:blipFill>
         <p:spPr>
           <a:xfrm>
-            <a:off x="-1" y="1828162"/>
-            <a:ext cx="13004801" cy="5724188"/>
+            <a:off x="2281419" y="6457221"/>
+            <a:ext cx="5537201" cy="1955801"/>
           </a:xfrm>
           <a:prstGeom prst="rect">
             <a:avLst/>
@@ -7233,6 +7345,11 @@
         </p:spPr>
       </p:pic>
     </p:spTree>
+    <p:extLst>
+      <p:ext uri="{BB962C8B-B14F-4D97-AF65-F5344CB8AC3E}">
+        <p14:creationId xmlns:p14="http://schemas.microsoft.com/office/powerpoint/2010/main" val="1317221809"/>
+      </p:ext>
+    </p:extLst>
   </p:cSld>
   <p:clrMapOvr>
     <a:masterClrMapping/>
@@ -7260,7 +7377,7 @@
       </p:grpSpPr>
       <p:pic>
         <p:nvPicPr>
-          <p:cNvPr id="252" name="屏幕快照 2016-12-21 下午11.37.55.png"/>
+          <p:cNvPr id="254" name="屏幕快照 2016-12-21 下午11.40.51.png"/>
           <p:cNvPicPr>
             <a:picLocks noChangeAspect="1"/>
           </p:cNvPicPr>
@@ -7276,8 +7393,8 @@
         </p:blipFill>
         <p:spPr>
           <a:xfrm>
-            <a:off x="1529306" y="-1"/>
-            <a:ext cx="9663706" cy="9753601"/>
+            <a:off x="-1" y="1828162"/>
+            <a:ext cx="13004801" cy="5724188"/>
           </a:xfrm>
           <a:prstGeom prst="rect">
             <a:avLst/>
@@ -7288,6 +7405,11 @@
         </p:spPr>
       </p:pic>
     </p:spTree>
+    <p:extLst>
+      <p:ext uri="{BB962C8B-B14F-4D97-AF65-F5344CB8AC3E}">
+        <p14:creationId xmlns:p14="http://schemas.microsoft.com/office/powerpoint/2010/main" val="138026940"/>
+      </p:ext>
+    </p:extLst>
   </p:cSld>
   <p:clrMapOvr>
     <a:masterClrMapping/>
@@ -7509,7 +7631,7 @@
           </a:ln>
           <a:extLst>
             <a:ext uri="{C572A759-6A51-4108-AA02-DFA0A04FC94B}">
-              <ma14:wrappingTextBoxFlag xmlns:ma14="http://schemas.microsoft.com/office/mac/drawingml/2011/main" xmlns="" val="1"/>
+              <ma14:wrappingTextBoxFlag xmlns:ma14="http://schemas.microsoft.com/office/mac/drawingml/2011/main" val="1"/>
             </a:ext>
           </a:extLst>
         </p:spPr>
@@ -7556,45 +7678,9 @@
           <a:chExt cx="0" cy="0"/>
         </a:xfrm>
       </p:grpSpPr>
-      <p:sp>
-        <p:nvSpPr>
-          <p:cNvPr id="254" name="Shape 254"/>
-          <p:cNvSpPr>
-            <a:spLocks noGrp="1"/>
-          </p:cNvSpPr>
-          <p:nvPr>
-            <p:ph type="title"/>
-          </p:nvPr>
-        </p:nvSpPr>
-        <p:spPr>
-          <a:xfrm>
-            <a:off x="560467" y="1066632"/>
-            <a:ext cx="6365355" cy="1159002"/>
-          </a:xfrm>
-          <a:prstGeom prst="rect">
-            <a:avLst/>
-          </a:prstGeom>
-        </p:spPr>
-        <p:txBody>
-          <a:bodyPr/>
-          <a:lstStyle>
-            <a:lvl1pPr defTabSz="578358">
-              <a:spcBef>
-                <a:spcPts val="2700"/>
-              </a:spcBef>
-              <a:defRPr sz="5940"/>
-            </a:lvl1pPr>
-          </a:lstStyle>
-          <a:p>
-            <a:r>
-              <a:t>表驱动：</a:t>
-            </a:r>
-          </a:p>
-        </p:txBody>
-      </p:sp>
       <p:pic>
         <p:nvPicPr>
-          <p:cNvPr id="255" name="屏幕快照 2016-12-21 下午11.47.19.png"/>
+          <p:cNvPr id="256" name="屏幕快照 2016-12-21 下午11.37.55.png"/>
           <p:cNvPicPr>
             <a:picLocks noChangeAspect="1"/>
           </p:cNvPicPr>
@@ -7610,8 +7696,8 @@
         </p:blipFill>
         <p:spPr>
           <a:xfrm>
-            <a:off x="2198639" y="5745464"/>
-            <a:ext cx="7981348" cy="3755929"/>
+            <a:off x="1204186" y="306465"/>
+            <a:ext cx="9663706" cy="9753601"/>
           </a:xfrm>
           <a:prstGeom prst="rect">
             <a:avLst/>
@@ -7621,36 +7707,12 @@
           </a:ln>
         </p:spPr>
       </p:pic>
-      <p:pic>
-        <p:nvPicPr>
-          <p:cNvPr id="256" name="屏幕快照 2016-12-21 下午11.46.07.png"/>
-          <p:cNvPicPr>
-            <a:picLocks noChangeAspect="1"/>
-          </p:cNvPicPr>
-          <p:nvPr/>
-        </p:nvPicPr>
-        <p:blipFill>
-          <a:blip r:embed="rId3">
-            <a:extLst/>
-          </a:blip>
-          <a:stretch>
-            <a:fillRect/>
-          </a:stretch>
-        </p:blipFill>
-        <p:spPr>
-          <a:xfrm>
-            <a:off x="4588605" y="82575"/>
-            <a:ext cx="4775288" cy="5400494"/>
-          </a:xfrm>
-          <a:prstGeom prst="rect">
-            <a:avLst/>
-          </a:prstGeom>
-          <a:ln w="12700">
-            <a:miter lim="400000"/>
-          </a:ln>
-        </p:spPr>
-      </p:pic>
     </p:spTree>
+    <p:extLst>
+      <p:ext uri="{BB962C8B-B14F-4D97-AF65-F5344CB8AC3E}">
+        <p14:creationId xmlns:p14="http://schemas.microsoft.com/office/powerpoint/2010/main" val="536441820"/>
+      </p:ext>
+    </p:extLst>
   </p:cSld>
   <p:clrMapOvr>
     <a:masterClrMapping/>
@@ -7688,8 +7750,8 @@
         </p:nvSpPr>
         <p:spPr>
           <a:xfrm>
-            <a:off x="1187867" y="1993784"/>
-            <a:ext cx="12192001" cy="1372091"/>
+            <a:off x="409161" y="173601"/>
+            <a:ext cx="5631981" cy="998998"/>
           </a:xfrm>
           <a:prstGeom prst="rect">
             <a:avLst/>
@@ -7697,17 +7759,28 @@
         </p:spPr>
         <p:txBody>
           <a:bodyPr/>
-          <a:lstStyle/>
-          <a:p>
-            <a:r>
-              <a:t>最终：</a:t>
+          <a:lstStyle>
+            <a:lvl1pPr defTabSz="496570">
+              <a:spcBef>
+                <a:spcPts val="2300"/>
+              </a:spcBef>
+              <a:defRPr sz="5100">
+                <a:solidFill>
+                  <a:srgbClr val="FFFFFF"/>
+                </a:solidFill>
+              </a:defRPr>
+            </a:lvl1pPr>
+          </a:lstStyle>
+          <a:p>
+            <a:r>
+              <a:t>3.表驱动：</a:t>
             </a:r>
           </a:p>
         </p:txBody>
       </p:sp>
       <p:pic>
         <p:nvPicPr>
-          <p:cNvPr id="259" name="屏幕快照 2016-12-21 下午11.12.59.png"/>
+          <p:cNvPr id="259" name="屏幕快照 2016-12-21 下午11.47.19.png"/>
           <p:cNvPicPr>
             <a:picLocks noChangeAspect="1"/>
           </p:cNvPicPr>
@@ -7723,8 +7796,8 @@
         </p:blipFill>
         <p:spPr>
           <a:xfrm>
-            <a:off x="4477953" y="2195912"/>
-            <a:ext cx="7106466" cy="5961102"/>
+            <a:off x="2198639" y="5400024"/>
+            <a:ext cx="7981348" cy="3755929"/>
           </a:xfrm>
           <a:prstGeom prst="rect">
             <a:avLst/>
@@ -7734,7 +7807,41 @@
           </a:ln>
         </p:spPr>
       </p:pic>
+      <p:pic>
+        <p:nvPicPr>
+          <p:cNvPr id="260" name="屏幕快照 2016-12-21 下午11.46.07.png"/>
+          <p:cNvPicPr>
+            <a:picLocks noChangeAspect="1"/>
+          </p:cNvPicPr>
+          <p:nvPr/>
+        </p:nvPicPr>
+        <p:blipFill>
+          <a:blip r:embed="rId3">
+            <a:extLst/>
+          </a:blip>
+          <a:stretch>
+            <a:fillRect/>
+          </a:stretch>
+        </p:blipFill>
+        <p:spPr>
+          <a:xfrm>
+            <a:off x="4588605" y="82575"/>
+            <a:ext cx="4775288" cy="5400494"/>
+          </a:xfrm>
+          <a:prstGeom prst="rect">
+            <a:avLst/>
+          </a:prstGeom>
+          <a:ln w="12700">
+            <a:miter lim="400000"/>
+          </a:ln>
+        </p:spPr>
+      </p:pic>
     </p:spTree>
+    <p:extLst>
+      <p:ext uri="{BB962C8B-B14F-4D97-AF65-F5344CB8AC3E}">
+        <p14:creationId xmlns:p14="http://schemas.microsoft.com/office/powerpoint/2010/main" val="841318634"/>
+      </p:ext>
+    </p:extLst>
   </p:cSld>
   <p:clrMapOvr>
     <a:masterClrMapping/>
@@ -7762,15 +7869,137 @@
       </p:grpSpPr>
       <p:sp>
         <p:nvSpPr>
-          <p:cNvPr id="217" name="Shape 217"/>
+          <p:cNvPr id="262" name="Shape 262"/>
+          <p:cNvSpPr/>
+          <p:nvPr/>
+        </p:nvSpPr>
+        <p:spPr>
+          <a:xfrm>
+            <a:off x="1431847" y="1549248"/>
+            <a:ext cx="8303321" cy="2450136"/>
+          </a:xfrm>
+          <a:prstGeom prst="rect">
+            <a:avLst/>
+          </a:prstGeom>
+          <a:ln w="12700">
+            <a:miter lim="400000"/>
+          </a:ln>
+          <a:extLst>
+            <a:ext uri="{C572A759-6A51-4108-AA02-DFA0A04FC94B}">
+              <ma14:wrappingTextBoxFlag xmlns:ma14="http://schemas.microsoft.com/office/mac/drawingml/2011/main" val="1"/>
+            </a:ext>
+          </a:extLst>
+        </p:spPr>
+        <p:txBody>
+          <a:bodyPr lIns="50800" tIns="50800" rIns="50800" bIns="50800">
+            <a:normAutofit/>
+          </a:bodyPr>
+          <a:lstStyle/>
+          <a:p>
+            <a:pPr defTabSz="292100">
+              <a:lnSpc>
+                <a:spcPct val="80000"/>
+              </a:lnSpc>
+              <a:spcBef>
+                <a:spcPts val="1400"/>
+              </a:spcBef>
+              <a:defRPr sz="3000" b="1" cap="all">
+                <a:solidFill>
+                  <a:schemeClr val="accent1"/>
+                </a:solidFill>
+                <a:latin typeface="+mn-lt"/>
+                <a:ea typeface="+mn-ea"/>
+                <a:cs typeface="+mn-cs"/>
+                <a:sym typeface="Baskerville"/>
+              </a:defRPr>
+            </a:pPr>
+            <a:r>
+              <a:t>使用assert断言 解决部分空指针</a:t>
+            </a:r>
+          </a:p>
+          <a:p>
+            <a:pPr defTabSz="292100">
+              <a:lnSpc>
+                <a:spcPct val="80000"/>
+              </a:lnSpc>
+              <a:spcBef>
+                <a:spcPts val="1400"/>
+              </a:spcBef>
+              <a:defRPr sz="3000" b="1" cap="all">
+                <a:solidFill>
+                  <a:schemeClr val="accent1"/>
+                </a:solidFill>
+                <a:latin typeface="+mn-lt"/>
+                <a:ea typeface="+mn-ea"/>
+                <a:cs typeface="+mn-cs"/>
+                <a:sym typeface="Baskerville"/>
+              </a:defRPr>
+            </a:pPr>
+            <a:r>
+              <a:t>使用mock object和stub </a:t>
+            </a:r>
+          </a:p>
+          <a:p>
+            <a:pPr defTabSz="292100">
+              <a:lnSpc>
+                <a:spcPct val="80000"/>
+              </a:lnSpc>
+              <a:spcBef>
+                <a:spcPts val="1400"/>
+              </a:spcBef>
+              <a:defRPr sz="3000" b="1" cap="all">
+                <a:solidFill>
+                  <a:schemeClr val="accent1"/>
+                </a:solidFill>
+                <a:latin typeface="+mn-lt"/>
+                <a:ea typeface="+mn-ea"/>
+                <a:cs typeface="+mn-cs"/>
+                <a:sym typeface="Baskerville"/>
+              </a:defRPr>
+            </a:pPr>
+            <a:r>
+              <a:t>分层开发 </a:t>
+            </a:r>
+          </a:p>
+          <a:p>
+            <a:pPr defTabSz="292100">
+              <a:lnSpc>
+                <a:spcPct val="80000"/>
+              </a:lnSpc>
+              <a:spcBef>
+                <a:spcPts val="1400"/>
+              </a:spcBef>
+              <a:defRPr sz="3000" b="1" cap="all">
+                <a:solidFill>
+                  <a:schemeClr val="accent1"/>
+                </a:solidFill>
+                <a:latin typeface="+mn-lt"/>
+                <a:ea typeface="+mn-ea"/>
+                <a:cs typeface="+mn-cs"/>
+                <a:sym typeface="Baskerville"/>
+              </a:defRPr>
+            </a:pPr>
+            <a:r>
+              <a:t>集成时逐个替换 方便查找bug</a:t>
+            </a:r>
+          </a:p>
+        </p:txBody>
+      </p:sp>
+      <p:sp>
+        <p:nvSpPr>
+          <p:cNvPr id="263" name="Shape 263"/>
           <p:cNvSpPr>
             <a:spLocks noGrp="1"/>
           </p:cNvSpPr>
           <p:nvPr>
-            <p:ph type="ctrTitle"/>
+            <p:ph type="title"/>
           </p:nvPr>
         </p:nvSpPr>
         <p:spPr>
+          <a:xfrm>
+            <a:off x="409161" y="173601"/>
+            <a:ext cx="5631981" cy="998998"/>
+          </a:xfrm>
           <a:prstGeom prst="rect">
             <a:avLst/>
           </a:prstGeom>
@@ -7778,36 +8007,115 @@
         <p:txBody>
           <a:bodyPr/>
           <a:lstStyle>
-            <a:lvl1pPr>
-              <a:defRPr sz="8000" b="0">
-                <a:latin typeface="冬青黑体简体中文 W6"/>
-                <a:ea typeface="冬青黑体简体中文 W6"/>
-                <a:cs typeface="冬青黑体简体中文 W6"/>
-                <a:sym typeface="冬青黑体简体中文 W6"/>
+            <a:lvl1pPr defTabSz="496570">
+              <a:spcBef>
+                <a:spcPts val="2300"/>
+              </a:spcBef>
+              <a:defRPr sz="5100">
+                <a:solidFill>
+                  <a:srgbClr val="FFFFFF"/>
+                </a:solidFill>
               </a:defRPr>
             </a:lvl1pPr>
           </a:lstStyle>
           <a:p>
             <a:r>
-              <a:rPr lang="zh-CN" altLang="en-US" dirty="0" smtClean="0"/>
-              <a:t>数据</a:t>
-            </a:r>
-            <a:r>
-              <a:rPr dirty="0" smtClean="0"/>
-              <a:t>———</a:t>
-            </a:r>
-            <a:r>
-              <a:rPr lang="en-US" altLang="zh-CN" dirty="0" smtClean="0"/>
-              <a:t>DATA</a:t>
-            </a:r>
-            <a:endParaRPr dirty="0"/>
-          </a:p>
-        </p:txBody>
-      </p:sp>
+              <a:t>3.集成开发</a:t>
+            </a:r>
+          </a:p>
+        </p:txBody>
+      </p:sp>
+      <p:pic>
+        <p:nvPicPr>
+          <p:cNvPr id="264" name="屏幕快照 2016-12-23 上午11.48.57.png"/>
+          <p:cNvPicPr>
+            <a:picLocks noChangeAspect="1"/>
+          </p:cNvPicPr>
+          <p:nvPr/>
+        </p:nvPicPr>
+        <p:blipFill>
+          <a:blip r:embed="rId2">
+            <a:extLst/>
+          </a:blip>
+          <a:stretch>
+            <a:fillRect/>
+          </a:stretch>
+        </p:blipFill>
+        <p:spPr>
+          <a:xfrm>
+            <a:off x="780105" y="4097463"/>
+            <a:ext cx="5631980" cy="5348015"/>
+          </a:xfrm>
+          <a:prstGeom prst="rect">
+            <a:avLst/>
+          </a:prstGeom>
+          <a:ln w="12700">
+            <a:miter lim="400000"/>
+          </a:ln>
+        </p:spPr>
+      </p:pic>
+      <p:pic>
+        <p:nvPicPr>
+          <p:cNvPr id="265" name="屏幕快照 2016-12-23 上午11.49.04.png"/>
+          <p:cNvPicPr>
+            <a:picLocks noChangeAspect="1"/>
+          </p:cNvPicPr>
+          <p:nvPr/>
+        </p:nvPicPr>
+        <p:blipFill>
+          <a:blip r:embed="rId3">
+            <a:extLst/>
+          </a:blip>
+          <a:stretch>
+            <a:fillRect/>
+          </a:stretch>
+        </p:blipFill>
+        <p:spPr>
+          <a:xfrm>
+            <a:off x="7646843" y="695516"/>
+            <a:ext cx="4919464" cy="4157601"/>
+          </a:xfrm>
+          <a:prstGeom prst="rect">
+            <a:avLst/>
+          </a:prstGeom>
+          <a:ln w="12700">
+            <a:miter lim="400000"/>
+          </a:ln>
+        </p:spPr>
+      </p:pic>
+      <p:pic>
+        <p:nvPicPr>
+          <p:cNvPr id="266" name="屏幕快照 2016-12-23 上午11.48.29.png"/>
+          <p:cNvPicPr>
+            <a:picLocks noChangeAspect="1"/>
+          </p:cNvPicPr>
+          <p:nvPr/>
+        </p:nvPicPr>
+        <p:blipFill>
+          <a:blip r:embed="rId4">
+            <a:extLst/>
+          </a:blip>
+          <a:stretch>
+            <a:fillRect/>
+          </a:stretch>
+        </p:blipFill>
+        <p:spPr>
+          <a:xfrm>
+            <a:off x="6961611" y="5214904"/>
+            <a:ext cx="5511801" cy="4013201"/>
+          </a:xfrm>
+          <a:prstGeom prst="rect">
+            <a:avLst/>
+          </a:prstGeom>
+          <a:ln w="12700">
+            <a:miter lim="400000"/>
+          </a:ln>
+        </p:spPr>
+      </p:pic>
     </p:spTree>
     <p:extLst>
       <p:ext uri="{BB962C8B-B14F-4D97-AF65-F5344CB8AC3E}">
-        <p14:creationId xmlns:p14="http://schemas.microsoft.com/office/powerpoint/2010/main" val="2289199856"/>
+        <p14:creationId xmlns:p14="http://schemas.microsoft.com/office/powerpoint/2010/main" val="1009949790"/>
       </p:ext>
     </p:extLst>
   </p:cSld>
@@ -7815,13 +8123,6 @@
     <a:masterClrMapping/>
   </p:clrMapOvr>
   <p:transition spd="med"/>
-  <p:timing>
-    <p:tnLst>
-      <p:par>
-        <p:cTn id="1" dur="indefinite" restart="never" nodeType="tmRoot"/>
-      </p:par>
-    </p:tnLst>
-  </p:timing>
 </p:sld>
 </file>
 
@@ -7844,123 +8145,52 @@
       </p:grpSpPr>
       <p:sp>
         <p:nvSpPr>
-          <p:cNvPr id="3" name="标题 2"/>
+          <p:cNvPr id="217" name="Shape 217"/>
           <p:cNvSpPr>
             <a:spLocks noGrp="1"/>
           </p:cNvSpPr>
           <p:nvPr>
-            <p:ph type="title"/>
+            <p:ph type="ctrTitle"/>
           </p:nvPr>
         </p:nvSpPr>
-        <p:spPr/>
-        <p:txBody>
-          <a:bodyPr>
-            <a:normAutofit fontScale="90000"/>
-          </a:bodyPr>
-          <a:lstStyle/>
+        <p:spPr>
+          <a:prstGeom prst="rect">
+            <a:avLst/>
+          </a:prstGeom>
+        </p:spPr>
+        <p:txBody>
+          <a:bodyPr/>
+          <a:lstStyle>
+            <a:lvl1pPr>
+              <a:defRPr sz="8000" b="0">
+                <a:latin typeface="冬青黑体简体中文 W6"/>
+                <a:ea typeface="冬青黑体简体中文 W6"/>
+                <a:cs typeface="冬青黑体简体中文 W6"/>
+                <a:sym typeface="冬青黑体简体中文 W6"/>
+              </a:defRPr>
+            </a:lvl1pPr>
+          </a:lstStyle>
           <a:p>
             <a:r>
               <a:rPr lang="zh-CN" altLang="en-US" dirty="0" smtClean="0"/>
-              <a:t>数据层实现</a:t>
-            </a:r>
-            <a:endParaRPr lang="zh-CN" altLang="en-US" dirty="0"/>
-          </a:p>
-        </p:txBody>
-      </p:sp>
-      <p:sp>
-        <p:nvSpPr>
-          <p:cNvPr id="4" name="文本占位符 3"/>
-          <p:cNvSpPr>
-            <a:spLocks noGrp="1"/>
-          </p:cNvSpPr>
-          <p:nvPr>
-            <p:ph type="body" idx="1"/>
-          </p:nvPr>
-        </p:nvSpPr>
-        <p:spPr/>
-        <p:txBody>
-          <a:bodyPr/>
-          <a:lstStyle/>
-          <a:p>
-            <a:r>
-              <a:rPr lang="zh-CN" altLang="en-US" dirty="0" smtClean="0"/>
-              <a:t>使用</a:t>
-            </a:r>
-            <a:r>
-              <a:rPr lang="en-US" altLang="zh-CN" dirty="0" err="1" smtClean="0"/>
-              <a:t>mysql</a:t>
-            </a:r>
-            <a:r>
-              <a:rPr lang="zh-CN" altLang="en-US" dirty="0" smtClean="0"/>
-              <a:t>数据库，通过</a:t>
-            </a:r>
-            <a:r>
-              <a:rPr lang="en-US" altLang="zh-CN" dirty="0" err="1" smtClean="0"/>
-              <a:t>jdbc</a:t>
-            </a:r>
-            <a:r>
-              <a:rPr lang="zh-CN" altLang="en-US" dirty="0" smtClean="0"/>
-              <a:t>与数据库进行连接</a:t>
-            </a:r>
-            <a:endParaRPr lang="en-US" altLang="zh-CN" dirty="0" smtClean="0"/>
-          </a:p>
-          <a:p>
-            <a:r>
-              <a:rPr lang="zh-CN" altLang="en-US" dirty="0" smtClean="0"/>
-              <a:t>通过</a:t>
-            </a:r>
-            <a:r>
-              <a:rPr lang="en-US" altLang="zh-CN" dirty="0" err="1" smtClean="0"/>
-              <a:t>DataDao</a:t>
-            </a:r>
-            <a:r>
-              <a:rPr lang="zh-CN" altLang="en-US" dirty="0" smtClean="0"/>
-              <a:t>给逻辑层提供接口</a:t>
-            </a:r>
-            <a:endParaRPr lang="en-US" altLang="zh-CN" dirty="0" smtClean="0"/>
-          </a:p>
-          <a:p>
-            <a:r>
-              <a:rPr lang="zh-CN" altLang="en-US" dirty="0" smtClean="0"/>
-              <a:t>通过</a:t>
+              <a:t>数据</a:t>
+            </a:r>
+            <a:r>
+              <a:rPr dirty="0" smtClean="0"/>
+              <a:t>———</a:t>
             </a:r>
             <a:r>
               <a:rPr lang="en-US" altLang="zh-CN" dirty="0" smtClean="0"/>
-              <a:t>RMI</a:t>
-            </a:r>
-            <a:r>
-              <a:rPr lang="zh-CN" altLang="en-US" dirty="0" smtClean="0"/>
-              <a:t>传输数据和图片，并将数据和图片保存与服务器</a:t>
-            </a:r>
-            <a:endParaRPr lang="en-US" altLang="zh-CN" dirty="0" smtClean="0"/>
-          </a:p>
-          <a:p>
-            <a:r>
-              <a:rPr lang="zh-CN" altLang="en-US" dirty="0" smtClean="0"/>
-              <a:t>创建简单的启动</a:t>
-            </a:r>
-            <a:r>
-              <a:rPr lang="en-US" altLang="zh-CN" dirty="0" smtClean="0"/>
-              <a:t>UI</a:t>
-            </a:r>
-            <a:r>
-              <a:rPr lang="zh-CN" altLang="en-US" dirty="0" smtClean="0"/>
-              <a:t>启动服务器</a:t>
-            </a:r>
-            <a:endParaRPr lang="en-US" altLang="zh-CN" dirty="0"/>
-          </a:p>
-          <a:p>
-            <a:endParaRPr lang="en-US" altLang="zh-CN" dirty="0" smtClean="0"/>
-          </a:p>
-          <a:p>
-            <a:endParaRPr lang="zh-CN" altLang="en-US" dirty="0"/>
+              <a:t>DATA</a:t>
+            </a:r>
+            <a:endParaRPr dirty="0"/>
           </a:p>
         </p:txBody>
       </p:sp>
     </p:spTree>
     <p:extLst>
       <p:ext uri="{BB962C8B-B14F-4D97-AF65-F5344CB8AC3E}">
-        <p14:creationId xmlns:p14="http://schemas.microsoft.com/office/powerpoint/2010/main" val="4214958458"/>
+        <p14:creationId xmlns:p14="http://schemas.microsoft.com/office/powerpoint/2010/main" val="2289199856"/>
       </p:ext>
     </p:extLst>
   </p:cSld>
@@ -7997,25 +8227,6 @@
       </p:grpSpPr>
       <p:sp>
         <p:nvSpPr>
-          <p:cNvPr id="2" name="文本占位符 1"/>
-          <p:cNvSpPr>
-            <a:spLocks noGrp="1"/>
-          </p:cNvSpPr>
-          <p:nvPr>
-            <p:ph type="body" sz="quarter" idx="13"/>
-          </p:nvPr>
-        </p:nvSpPr>
-        <p:spPr/>
-        <p:txBody>
-          <a:bodyPr/>
-          <a:lstStyle/>
-          <a:p>
-            <a:endParaRPr lang="zh-CN" altLang="en-US"/>
-          </a:p>
-        </p:txBody>
-      </p:sp>
-      <p:sp>
-        <p:nvSpPr>
           <p:cNvPr id="3" name="标题 2"/>
           <p:cNvSpPr>
             <a:spLocks noGrp="1"/>
@@ -8032,51 +8243,107 @@
           <a:lstStyle/>
           <a:p>
             <a:r>
+              <a:rPr lang="zh-CN" altLang="en-US" dirty="0" smtClean="0"/>
+              <a:t>数据层实现</a:t>
+            </a:r>
+            <a:endParaRPr lang="zh-CN" altLang="en-US" dirty="0"/>
+          </a:p>
+        </p:txBody>
+      </p:sp>
+      <p:sp>
+        <p:nvSpPr>
+          <p:cNvPr id="4" name="文本占位符 3"/>
+          <p:cNvSpPr>
+            <a:spLocks noGrp="1"/>
+          </p:cNvSpPr>
+          <p:nvPr>
+            <p:ph type="body" idx="1"/>
+          </p:nvPr>
+        </p:nvSpPr>
+        <p:spPr/>
+        <p:txBody>
+          <a:bodyPr/>
+          <a:lstStyle/>
+          <a:p>
+            <a:r>
+              <a:rPr lang="zh-CN" altLang="en-US" dirty="0" smtClean="0"/>
+              <a:t>使用</a:t>
+            </a:r>
+            <a:r>
               <a:rPr lang="en-US" altLang="zh-CN" dirty="0" err="1" smtClean="0"/>
-              <a:t>Jdbc</a:t>
+              <a:t>mysql</a:t>
             </a:r>
             <a:r>
               <a:rPr lang="zh-CN" altLang="en-US" dirty="0" smtClean="0"/>
-              <a:t>连接数据库</a:t>
-            </a:r>
+              <a:t>数据库，通过</a:t>
+            </a:r>
+            <a:r>
+              <a:rPr lang="en-US" altLang="zh-CN" dirty="0" err="1" smtClean="0"/>
+              <a:t>jdbc</a:t>
+            </a:r>
+            <a:r>
+              <a:rPr lang="zh-CN" altLang="en-US" dirty="0" smtClean="0"/>
+              <a:t>与数据库进行连接</a:t>
+            </a:r>
+            <a:endParaRPr lang="en-US" altLang="zh-CN" dirty="0" smtClean="0"/>
+          </a:p>
+          <a:p>
+            <a:r>
+              <a:rPr lang="zh-CN" altLang="en-US" dirty="0" smtClean="0"/>
+              <a:t>通过</a:t>
+            </a:r>
+            <a:r>
+              <a:rPr lang="en-US" altLang="zh-CN" dirty="0" err="1" smtClean="0"/>
+              <a:t>DataDao</a:t>
+            </a:r>
+            <a:r>
+              <a:rPr lang="zh-CN" altLang="en-US" dirty="0" smtClean="0"/>
+              <a:t>给逻辑层提供接口</a:t>
+            </a:r>
+            <a:endParaRPr lang="en-US" altLang="zh-CN" dirty="0" smtClean="0"/>
+          </a:p>
+          <a:p>
+            <a:r>
+              <a:rPr lang="zh-CN" altLang="en-US" dirty="0" smtClean="0"/>
+              <a:t>通过</a:t>
+            </a:r>
+            <a:r>
+              <a:rPr lang="en-US" altLang="zh-CN" dirty="0" smtClean="0"/>
+              <a:t>RMI</a:t>
+            </a:r>
+            <a:r>
+              <a:rPr lang="zh-CN" altLang="en-US" dirty="0" smtClean="0"/>
+              <a:t>传输数据和图片，并将数据和图片保存与服务器</a:t>
+            </a:r>
+            <a:endParaRPr lang="en-US" altLang="zh-CN" dirty="0" smtClean="0"/>
+          </a:p>
+          <a:p>
+            <a:r>
+              <a:rPr lang="zh-CN" altLang="en-US" dirty="0" smtClean="0"/>
+              <a:t>创建简单的启动</a:t>
+            </a:r>
+            <a:r>
+              <a:rPr lang="en-US" altLang="zh-CN" dirty="0" smtClean="0"/>
+              <a:t>UI</a:t>
+            </a:r>
+            <a:r>
+              <a:rPr lang="zh-CN" altLang="en-US" dirty="0" smtClean="0"/>
+              <a:t>启动服务器</a:t>
+            </a:r>
+            <a:endParaRPr lang="en-US" altLang="zh-CN" dirty="0"/>
+          </a:p>
+          <a:p>
+            <a:endParaRPr lang="en-US" altLang="zh-CN" dirty="0" smtClean="0"/>
+          </a:p>
+          <a:p>
             <a:endParaRPr lang="zh-CN" altLang="en-US" dirty="0"/>
           </a:p>
         </p:txBody>
       </p:sp>
-      <p:pic>
-        <p:nvPicPr>
-          <p:cNvPr id="5" name="图片 4"/>
-          <p:cNvPicPr>
-            <a:picLocks noChangeAspect="1"/>
-          </p:cNvPicPr>
-          <p:nvPr/>
-        </p:nvPicPr>
-        <p:blipFill>
-          <a:blip r:embed="rId2">
-            <a:extLst>
-              <a:ext uri="{28A0092B-C50C-407E-A947-70E740481C1C}">
-                <a14:useLocalDpi xmlns:a14="http://schemas.microsoft.com/office/drawing/2010/main" val="0"/>
-              </a:ext>
-            </a:extLst>
-          </a:blip>
-          <a:stretch>
-            <a:fillRect/>
-          </a:stretch>
-        </p:blipFill>
-        <p:spPr>
-          <a:xfrm>
-            <a:off x="883948" y="2882899"/>
-            <a:ext cx="11308052" cy="5507661"/>
-          </a:xfrm>
-          <a:prstGeom prst="rect">
-            <a:avLst/>
-          </a:prstGeom>
-        </p:spPr>
-      </p:pic>
     </p:spTree>
     <p:extLst>
       <p:ext uri="{BB962C8B-B14F-4D97-AF65-F5344CB8AC3E}">
-        <p14:creationId xmlns:p14="http://schemas.microsoft.com/office/powerpoint/2010/main" val="3507946404"/>
+        <p14:creationId xmlns:p14="http://schemas.microsoft.com/office/powerpoint/2010/main" val="4214958458"/>
       </p:ext>
     </p:extLst>
   </p:cSld>
@@ -8140,12 +8407,7 @@
             <p:ph type="title"/>
           </p:nvPr>
         </p:nvSpPr>
-        <p:spPr>
-          <a:xfrm>
-            <a:off x="406400" y="1174750"/>
-            <a:ext cx="12192000" cy="723900"/>
-          </a:xfrm>
-        </p:spPr>
+        <p:spPr/>
         <p:txBody>
           <a:bodyPr>
             <a:normAutofit fontScale="90000"/>
@@ -8154,11 +8416,11 @@
           <a:p>
             <a:r>
               <a:rPr lang="en-US" altLang="zh-CN" dirty="0" err="1" smtClean="0"/>
-              <a:t>Rmi</a:t>
+              <a:t>Jdbc</a:t>
             </a:r>
             <a:r>
               <a:rPr lang="zh-CN" altLang="en-US" dirty="0" smtClean="0"/>
-              <a:t>设计：工厂模式</a:t>
+              <a:t>连接数据库</a:t>
             </a:r>
             <a:endParaRPr lang="zh-CN" altLang="en-US" dirty="0"/>
           </a:p>
@@ -8173,39 +8435,21 @@
           <p:nvPr/>
         </p:nvPicPr>
         <p:blipFill>
-          <a:blip r:embed="rId2"/>
+          <a:blip r:embed="rId2">
+            <a:extLst>
+              <a:ext uri="{28A0092B-C50C-407E-A947-70E740481C1C}">
+                <a14:useLocalDpi xmlns:a14="http://schemas.microsoft.com/office/drawing/2010/main" val="0"/>
+              </a:ext>
+            </a:extLst>
+          </a:blip>
           <a:stretch>
             <a:fillRect/>
           </a:stretch>
         </p:blipFill>
         <p:spPr>
           <a:xfrm>
-            <a:off x="406400" y="1996207"/>
-            <a:ext cx="8514788" cy="4338573"/>
-          </a:xfrm>
-          <a:prstGeom prst="rect">
-            <a:avLst/>
-          </a:prstGeom>
-        </p:spPr>
-      </p:pic>
-      <p:pic>
-        <p:nvPicPr>
-          <p:cNvPr id="6" name="图片 5"/>
-          <p:cNvPicPr>
-            <a:picLocks noChangeAspect="1"/>
-          </p:cNvPicPr>
-          <p:nvPr/>
-        </p:nvPicPr>
-        <p:blipFill>
-          <a:blip r:embed="rId3"/>
-          <a:stretch>
-            <a:fillRect/>
-          </a:stretch>
-        </p:blipFill>
-        <p:spPr>
-          <a:xfrm>
-            <a:off x="406400" y="6645621"/>
-            <a:ext cx="8514787" cy="2904831"/>
+            <a:off x="883948" y="2882899"/>
+            <a:ext cx="11308052" cy="5507661"/>
           </a:xfrm>
           <a:prstGeom prst="rect">
             <a:avLst/>
@@ -8215,7 +8459,7 @@
     </p:spTree>
     <p:extLst>
       <p:ext uri="{BB962C8B-B14F-4D97-AF65-F5344CB8AC3E}">
-        <p14:creationId xmlns:p14="http://schemas.microsoft.com/office/powerpoint/2010/main" val="3743694125"/>
+        <p14:creationId xmlns:p14="http://schemas.microsoft.com/office/powerpoint/2010/main" val="3507946404"/>
       </p:ext>
     </p:extLst>
   </p:cSld>
@@ -8279,7 +8523,12 @@
             <p:ph type="title"/>
           </p:nvPr>
         </p:nvSpPr>
-        <p:spPr/>
+        <p:spPr>
+          <a:xfrm>
+            <a:off x="406400" y="1174750"/>
+            <a:ext cx="12192000" cy="723900"/>
+          </a:xfrm>
+        </p:spPr>
         <p:txBody>
           <a:bodyPr>
             <a:normAutofit fontScale="90000"/>
@@ -8287,24 +8536,12 @@
           <a:lstStyle/>
           <a:p>
             <a:r>
+              <a:rPr lang="en-US" altLang="zh-CN" dirty="0" err="1" smtClean="0"/>
+              <a:t>Rmi</a:t>
+            </a:r>
+            <a:r>
               <a:rPr lang="zh-CN" altLang="en-US" dirty="0" smtClean="0"/>
-              <a:t>启动</a:t>
-            </a:r>
-            <a:r>
-              <a:rPr lang="en-US" altLang="zh-CN" dirty="0" smtClean="0"/>
-              <a:t>UI</a:t>
-            </a:r>
-            <a:r>
-              <a:rPr lang="zh-CN" altLang="en-US" dirty="0" smtClean="0"/>
-              <a:t>：</a:t>
-            </a:r>
-            <a:r>
-              <a:rPr lang="en-US" altLang="zh-CN" dirty="0" err="1" smtClean="0"/>
-              <a:t>javafx</a:t>
-            </a:r>
-            <a:r>
-              <a:rPr lang="zh-CN" altLang="en-US" dirty="0" smtClean="0"/>
-              <a:t>实现</a:t>
+              <a:t>设计：工厂模式</a:t>
             </a:r>
             <a:endParaRPr lang="zh-CN" altLang="en-US" dirty="0"/>
           </a:p>
@@ -8326,8 +8563,8 @@
         </p:blipFill>
         <p:spPr>
           <a:xfrm>
-            <a:off x="7565097" y="2882899"/>
-            <a:ext cx="5033303" cy="5113197"/>
+            <a:off x="406400" y="1996207"/>
+            <a:ext cx="8514788" cy="4338573"/>
           </a:xfrm>
           <a:prstGeom prst="rect">
             <a:avLst/>
@@ -8350,8 +8587,8 @@
         </p:blipFill>
         <p:spPr>
           <a:xfrm>
-            <a:off x="406400" y="2260600"/>
-            <a:ext cx="6686809" cy="7148945"/>
+            <a:off x="406400" y="6645621"/>
+            <a:ext cx="8514787" cy="2904831"/>
           </a:xfrm>
           <a:prstGeom prst="rect">
             <a:avLst/>
@@ -8361,7 +8598,7 @@
     </p:spTree>
     <p:extLst>
       <p:ext uri="{BB962C8B-B14F-4D97-AF65-F5344CB8AC3E}">
-        <p14:creationId xmlns:p14="http://schemas.microsoft.com/office/powerpoint/2010/main" val="2732247119"/>
+        <p14:creationId xmlns:p14="http://schemas.microsoft.com/office/powerpoint/2010/main" val="3743694125"/>
       </p:ext>
     </p:extLst>
   </p:cSld>
@@ -8434,94 +8671,80 @@
           <a:p>
             <a:r>
               <a:rPr lang="zh-CN" altLang="en-US" dirty="0" smtClean="0"/>
-              <a:t>特色功能：</a:t>
+              <a:t>启动</a:t>
+            </a:r>
+            <a:r>
+              <a:rPr lang="en-US" altLang="zh-CN" dirty="0" smtClean="0"/>
+              <a:t>UI</a:t>
+            </a:r>
+            <a:r>
+              <a:rPr lang="zh-CN" altLang="en-US" dirty="0" smtClean="0"/>
+              <a:t>：</a:t>
+            </a:r>
+            <a:r>
+              <a:rPr lang="en-US" altLang="zh-CN" dirty="0" err="1" smtClean="0"/>
+              <a:t>javafx</a:t>
+            </a:r>
+            <a:r>
+              <a:rPr lang="zh-CN" altLang="en-US" dirty="0" smtClean="0"/>
+              <a:t>实现</a:t>
             </a:r>
             <a:endParaRPr lang="zh-CN" altLang="en-US" dirty="0"/>
           </a:p>
         </p:txBody>
       </p:sp>
-      <p:sp>
-        <p:nvSpPr>
-          <p:cNvPr id="4" name="文本占位符 3"/>
-          <p:cNvSpPr>
-            <a:spLocks noGrp="1"/>
-          </p:cNvSpPr>
-          <p:nvPr>
-            <p:ph type="body" idx="1"/>
-          </p:nvPr>
-        </p:nvSpPr>
-        <p:spPr/>
-        <p:txBody>
-          <a:bodyPr/>
-          <a:lstStyle/>
-          <a:p>
-            <a:r>
-              <a:rPr lang="zh-CN" altLang="en-US" dirty="0" smtClean="0"/>
-              <a:t>自动执行定时任务：</a:t>
-            </a:r>
-            <a:endParaRPr lang="en-US" altLang="zh-CN" dirty="0" smtClean="0"/>
-          </a:p>
-          <a:p>
-            <a:pPr lvl="1"/>
-            <a:r>
-              <a:rPr lang="en-US" altLang="zh-CN" dirty="0"/>
-              <a:t>1</a:t>
-            </a:r>
-            <a:r>
-              <a:rPr lang="zh-CN" altLang="en-US" dirty="0"/>
-              <a:t>、日期更替自动刷新房间信息</a:t>
-            </a:r>
-            <a:endParaRPr lang="en-US" altLang="zh-CN" dirty="0"/>
-          </a:p>
-          <a:p>
-            <a:pPr lvl="1"/>
-            <a:r>
-              <a:rPr lang="en-US" altLang="zh-CN" dirty="0"/>
-              <a:t>2</a:t>
-            </a:r>
-            <a:r>
-              <a:rPr lang="zh-CN" altLang="en-US" dirty="0"/>
-              <a:t>、自动将超时订单置为异常，修改信用值</a:t>
-            </a:r>
-            <a:endParaRPr lang="en-US" altLang="zh-CN" dirty="0"/>
-          </a:p>
-          <a:p>
-            <a:r>
-              <a:rPr lang="zh-CN" altLang="en-US" dirty="0" smtClean="0"/>
-              <a:t>图片传输与存储</a:t>
-            </a:r>
-            <a:endParaRPr lang="en-US" altLang="zh-CN" dirty="0" smtClean="0"/>
-          </a:p>
-          <a:p>
-            <a:pPr lvl="1"/>
-            <a:r>
-              <a:rPr lang="en-US" altLang="zh-CN" dirty="0" smtClean="0"/>
-              <a:t>1</a:t>
-            </a:r>
-            <a:r>
-              <a:rPr lang="zh-CN" altLang="en-US" dirty="0" smtClean="0"/>
-              <a:t>、客户端选择图片发送至服务器，由数据层处理并保存在服务器</a:t>
-            </a:r>
-            <a:endParaRPr lang="en-US" altLang="zh-CN" dirty="0" smtClean="0"/>
-          </a:p>
-          <a:p>
-            <a:pPr lvl="1"/>
-            <a:r>
-              <a:rPr lang="en-US" altLang="zh-CN" dirty="0" smtClean="0"/>
-              <a:t>2</a:t>
-            </a:r>
-            <a:r>
-              <a:rPr lang="zh-CN" altLang="en-US" dirty="0" smtClean="0"/>
-              <a:t>、客户调用图片，数据层从本地获取图片并传输</a:t>
-            </a:r>
-            <a:endParaRPr lang="en-US" altLang="zh-CN" dirty="0" smtClean="0"/>
-          </a:p>
-        </p:txBody>
-      </p:sp>
+      <p:pic>
+        <p:nvPicPr>
+          <p:cNvPr id="5" name="图片 4"/>
+          <p:cNvPicPr>
+            <a:picLocks noChangeAspect="1"/>
+          </p:cNvPicPr>
+          <p:nvPr/>
+        </p:nvPicPr>
+        <p:blipFill>
+          <a:blip r:embed="rId2"/>
+          <a:stretch>
+            <a:fillRect/>
+          </a:stretch>
+        </p:blipFill>
+        <p:spPr>
+          <a:xfrm>
+            <a:off x="7565097" y="2882899"/>
+            <a:ext cx="5033303" cy="5113197"/>
+          </a:xfrm>
+          <a:prstGeom prst="rect">
+            <a:avLst/>
+          </a:prstGeom>
+        </p:spPr>
+      </p:pic>
+      <p:pic>
+        <p:nvPicPr>
+          <p:cNvPr id="6" name="图片 5"/>
+          <p:cNvPicPr>
+            <a:picLocks noChangeAspect="1"/>
+          </p:cNvPicPr>
+          <p:nvPr/>
+        </p:nvPicPr>
+        <p:blipFill>
+          <a:blip r:embed="rId3"/>
+          <a:stretch>
+            <a:fillRect/>
+          </a:stretch>
+        </p:blipFill>
+        <p:spPr>
+          <a:xfrm>
+            <a:off x="406400" y="2260600"/>
+            <a:ext cx="6686809" cy="7148945"/>
+          </a:xfrm>
+          <a:prstGeom prst="rect">
+            <a:avLst/>
+          </a:prstGeom>
+        </p:spPr>
+      </p:pic>
     </p:spTree>
     <p:extLst>
       <p:ext uri="{BB962C8B-B14F-4D97-AF65-F5344CB8AC3E}">
-        <p14:creationId xmlns:p14="http://schemas.microsoft.com/office/powerpoint/2010/main" val="4226981200"/>
+        <p14:creationId xmlns:p14="http://schemas.microsoft.com/office/powerpoint/2010/main" val="2732247119"/>
       </p:ext>
     </p:extLst>
   </p:cSld>
@@ -8594,96 +8817,94 @@
           <a:p>
             <a:r>
               <a:rPr lang="zh-CN" altLang="en-US" dirty="0" smtClean="0"/>
+              <a:t>特色功能：</a:t>
+            </a:r>
+            <a:endParaRPr lang="zh-CN" altLang="en-US" dirty="0"/>
+          </a:p>
+        </p:txBody>
+      </p:sp>
+      <p:sp>
+        <p:nvSpPr>
+          <p:cNvPr id="4" name="文本占位符 3"/>
+          <p:cNvSpPr>
+            <a:spLocks noGrp="1"/>
+          </p:cNvSpPr>
+          <p:nvPr>
+            <p:ph type="body" idx="1"/>
+          </p:nvPr>
+        </p:nvSpPr>
+        <p:spPr/>
+        <p:txBody>
+          <a:bodyPr/>
+          <a:lstStyle/>
+          <a:p>
+            <a:r>
+              <a:rPr lang="zh-CN" altLang="en-US" dirty="0" smtClean="0"/>
               <a:t>自动执行定时任务：</a:t>
             </a:r>
+            <a:endParaRPr lang="en-US" altLang="zh-CN" dirty="0" smtClean="0"/>
+          </a:p>
+          <a:p>
+            <a:pPr lvl="1"/>
+            <a:r>
+              <a:rPr lang="en-US" altLang="zh-CN" dirty="0"/>
+              <a:t>1</a:t>
+            </a:r>
+            <a:r>
+              <a:rPr lang="zh-CN" altLang="en-US" dirty="0"/>
+              <a:t>、日期更替自动刷新房间信息</a:t>
+            </a:r>
+            <a:endParaRPr lang="en-US" altLang="zh-CN" dirty="0"/>
+          </a:p>
+          <a:p>
+            <a:pPr lvl="1"/>
+            <a:r>
+              <a:rPr lang="en-US" altLang="zh-CN" dirty="0"/>
+              <a:t>2</a:t>
+            </a:r>
+            <a:r>
+              <a:rPr lang="zh-CN" altLang="en-US" dirty="0"/>
+              <a:t>、自动将超时订单置为异常，修改信用值</a:t>
+            </a:r>
+            <a:endParaRPr lang="en-US" altLang="zh-CN" dirty="0"/>
+          </a:p>
+          <a:p>
+            <a:r>
+              <a:rPr lang="zh-CN" altLang="en-US" dirty="0" smtClean="0"/>
+              <a:t>图片传输与存储</a:t>
+            </a:r>
+            <a:endParaRPr lang="en-US" altLang="zh-CN" dirty="0" smtClean="0"/>
+          </a:p>
+          <a:p>
+            <a:pPr lvl="1"/>
             <a:r>
               <a:rPr lang="en-US" altLang="zh-CN" dirty="0" smtClean="0"/>
-              <a:t>Quartz</a:t>
+              <a:t>1</a:t>
             </a:r>
             <a:r>
               <a:rPr lang="zh-CN" altLang="en-US" dirty="0" smtClean="0"/>
-              <a:t>实现</a:t>
-            </a:r>
-            <a:endParaRPr lang="zh-CN" altLang="en-US" dirty="0"/>
-          </a:p>
-        </p:txBody>
-      </p:sp>
-      <p:pic>
-        <p:nvPicPr>
-          <p:cNvPr id="5" name="图片 4"/>
-          <p:cNvPicPr>
-            <a:picLocks noChangeAspect="1"/>
-          </p:cNvPicPr>
-          <p:nvPr/>
-        </p:nvPicPr>
-        <p:blipFill>
-          <a:blip r:embed="rId2"/>
-          <a:stretch>
-            <a:fillRect/>
-          </a:stretch>
-        </p:blipFill>
-        <p:spPr>
-          <a:xfrm>
-            <a:off x="930564" y="2372538"/>
-            <a:ext cx="9668164" cy="4453446"/>
-          </a:xfrm>
-          <a:prstGeom prst="rect">
-            <a:avLst/>
-          </a:prstGeom>
-        </p:spPr>
-      </p:pic>
-      <p:pic>
-        <p:nvPicPr>
-          <p:cNvPr id="6" name="图片 5"/>
-          <p:cNvPicPr>
-            <a:picLocks noChangeAspect="1"/>
-          </p:cNvPicPr>
-          <p:nvPr/>
-        </p:nvPicPr>
-        <p:blipFill>
-          <a:blip r:embed="rId3"/>
-          <a:stretch>
-            <a:fillRect/>
-          </a:stretch>
-        </p:blipFill>
-        <p:spPr>
-          <a:xfrm>
-            <a:off x="0" y="7307135"/>
-            <a:ext cx="6737696" cy="2038455"/>
-          </a:xfrm>
-          <a:prstGeom prst="rect">
-            <a:avLst/>
-          </a:prstGeom>
-        </p:spPr>
-      </p:pic>
-      <p:pic>
-        <p:nvPicPr>
-          <p:cNvPr id="7" name="图片 6"/>
-          <p:cNvPicPr>
-            <a:picLocks noChangeAspect="1"/>
-          </p:cNvPicPr>
-          <p:nvPr/>
-        </p:nvPicPr>
-        <p:blipFill>
-          <a:blip r:embed="rId4"/>
-          <a:stretch>
-            <a:fillRect/>
-          </a:stretch>
-        </p:blipFill>
-        <p:spPr>
-          <a:xfrm>
-            <a:off x="6878299" y="7290958"/>
-            <a:ext cx="5618502" cy="2054632"/>
-          </a:xfrm>
-          <a:prstGeom prst="rect">
-            <a:avLst/>
-          </a:prstGeom>
-        </p:spPr>
-      </p:pic>
+              <a:t>、客户端选择图片发送至服务器，由数据层处理并保存在服务器</a:t>
+            </a:r>
+            <a:endParaRPr lang="en-US" altLang="zh-CN" dirty="0" smtClean="0"/>
+          </a:p>
+          <a:p>
+            <a:pPr lvl="1"/>
+            <a:r>
+              <a:rPr lang="en-US" altLang="zh-CN" dirty="0" smtClean="0"/>
+              <a:t>2</a:t>
+            </a:r>
+            <a:r>
+              <a:rPr lang="zh-CN" altLang="en-US" dirty="0" smtClean="0"/>
+              <a:t>、客户调用图片，数据层从本地获取图片并传输</a:t>
+            </a:r>
+            <a:endParaRPr lang="en-US" altLang="zh-CN" dirty="0" smtClean="0"/>
+          </a:p>
+        </p:txBody>
+      </p:sp>
     </p:spTree>
     <p:extLst>
       <p:ext uri="{BB962C8B-B14F-4D97-AF65-F5344CB8AC3E}">
-        <p14:creationId xmlns:p14="http://schemas.microsoft.com/office/powerpoint/2010/main" val="1226807028"/>
+        <p14:creationId xmlns:p14="http://schemas.microsoft.com/office/powerpoint/2010/main" val="4226981200"/>
       </p:ext>
     </p:extLst>
   </p:cSld>
@@ -8756,46 +8977,15 @@
           <a:p>
             <a:r>
               <a:rPr lang="zh-CN" altLang="en-US" dirty="0" smtClean="0"/>
-              <a:t>自动任务：</a:t>
-            </a:r>
-            <a:endParaRPr lang="zh-CN" altLang="en-US" dirty="0"/>
-          </a:p>
-        </p:txBody>
-      </p:sp>
-      <p:sp>
-        <p:nvSpPr>
-          <p:cNvPr id="4" name="文本占位符 3"/>
-          <p:cNvSpPr>
-            <a:spLocks noGrp="1"/>
-          </p:cNvSpPr>
-          <p:nvPr>
-            <p:ph type="body" idx="1"/>
-          </p:nvPr>
-        </p:nvSpPr>
-        <p:spPr/>
-        <p:txBody>
-          <a:bodyPr/>
-          <a:lstStyle/>
-          <a:p>
+              <a:t>自动执行定时任务：</a:t>
+            </a:r>
+            <a:r>
+              <a:rPr lang="en-US" altLang="zh-CN" dirty="0" smtClean="0"/>
+              <a:t>Quartz</a:t>
+            </a:r>
             <a:r>
               <a:rPr lang="zh-CN" altLang="en-US" dirty="0" smtClean="0"/>
-              <a:t>更新房间信息：</a:t>
-            </a:r>
-            <a:endParaRPr lang="en-US" altLang="zh-CN" dirty="0" smtClean="0"/>
-          </a:p>
-          <a:p>
-            <a:endParaRPr lang="en-US" altLang="zh-CN" dirty="0"/>
-          </a:p>
-          <a:p>
-            <a:endParaRPr lang="en-US" altLang="zh-CN" dirty="0" smtClean="0"/>
-          </a:p>
-          <a:p>
-            <a:endParaRPr lang="en-US" altLang="zh-CN" dirty="0"/>
-          </a:p>
-          <a:p>
-            <a:r>
-              <a:rPr lang="zh-CN" altLang="en-US" dirty="0" smtClean="0"/>
-              <a:t>自动置为异常：</a:t>
+              <a:t>实现</a:t>
             </a:r>
             <a:endParaRPr lang="zh-CN" altLang="en-US" dirty="0"/>
           </a:p>
@@ -8817,8 +9007,8 @@
         </p:blipFill>
         <p:spPr>
           <a:xfrm>
-            <a:off x="3975286" y="2979881"/>
-            <a:ext cx="8623114" cy="2797465"/>
+            <a:off x="930564" y="2372538"/>
+            <a:ext cx="9668164" cy="4453446"/>
           </a:xfrm>
           <a:prstGeom prst="rect">
             <a:avLst/>
@@ -8841,8 +9031,32 @@
         </p:blipFill>
         <p:spPr>
           <a:xfrm>
-            <a:off x="3975286" y="6199205"/>
-            <a:ext cx="8623114" cy="3367477"/>
+            <a:off x="0" y="7307135"/>
+            <a:ext cx="6737696" cy="2038455"/>
+          </a:xfrm>
+          <a:prstGeom prst="rect">
+            <a:avLst/>
+          </a:prstGeom>
+        </p:spPr>
+      </p:pic>
+      <p:pic>
+        <p:nvPicPr>
+          <p:cNvPr id="7" name="图片 6"/>
+          <p:cNvPicPr>
+            <a:picLocks noChangeAspect="1"/>
+          </p:cNvPicPr>
+          <p:nvPr/>
+        </p:nvPicPr>
+        <p:blipFill>
+          <a:blip r:embed="rId4"/>
+          <a:stretch>
+            <a:fillRect/>
+          </a:stretch>
+        </p:blipFill>
+        <p:spPr>
+          <a:xfrm>
+            <a:off x="6878299" y="7290958"/>
+            <a:ext cx="5618502" cy="2054632"/>
           </a:xfrm>
           <a:prstGeom prst="rect">
             <a:avLst/>
@@ -8852,7 +9066,7 @@
     </p:spTree>
     <p:extLst>
       <p:ext uri="{BB962C8B-B14F-4D97-AF65-F5344CB8AC3E}">
-        <p14:creationId xmlns:p14="http://schemas.microsoft.com/office/powerpoint/2010/main" val="2768382885"/>
+        <p14:creationId xmlns:p14="http://schemas.microsoft.com/office/powerpoint/2010/main" val="1226807028"/>
       </p:ext>
     </p:extLst>
   </p:cSld>
@@ -8985,7 +9199,7 @@
           <a:p>
             <a:r>
               <a:rPr lang="zh-CN" altLang="en-US" dirty="0" smtClean="0"/>
-              <a:t>数据层存在的不足</a:t>
+              <a:t>自动任务：</a:t>
             </a:r>
             <a:endParaRPr lang="zh-CN" altLang="en-US" dirty="0"/>
           </a:p>
@@ -9001,6 +9215,175 @@
             <p:ph type="body" idx="1"/>
           </p:nvPr>
         </p:nvSpPr>
+        <p:spPr/>
+        <p:txBody>
+          <a:bodyPr/>
+          <a:lstStyle/>
+          <a:p>
+            <a:r>
+              <a:rPr lang="zh-CN" altLang="en-US" dirty="0" smtClean="0"/>
+              <a:t>更新房间信息：</a:t>
+            </a:r>
+            <a:endParaRPr lang="en-US" altLang="zh-CN" dirty="0" smtClean="0"/>
+          </a:p>
+          <a:p>
+            <a:endParaRPr lang="en-US" altLang="zh-CN" dirty="0"/>
+          </a:p>
+          <a:p>
+            <a:endParaRPr lang="en-US" altLang="zh-CN" dirty="0" smtClean="0"/>
+          </a:p>
+          <a:p>
+            <a:endParaRPr lang="en-US" altLang="zh-CN" dirty="0"/>
+          </a:p>
+          <a:p>
+            <a:r>
+              <a:rPr lang="zh-CN" altLang="en-US" dirty="0" smtClean="0"/>
+              <a:t>自动置为异常：</a:t>
+            </a:r>
+            <a:endParaRPr lang="zh-CN" altLang="en-US" dirty="0"/>
+          </a:p>
+        </p:txBody>
+      </p:sp>
+      <p:pic>
+        <p:nvPicPr>
+          <p:cNvPr id="5" name="图片 4"/>
+          <p:cNvPicPr>
+            <a:picLocks noChangeAspect="1"/>
+          </p:cNvPicPr>
+          <p:nvPr/>
+        </p:nvPicPr>
+        <p:blipFill>
+          <a:blip r:embed="rId2"/>
+          <a:stretch>
+            <a:fillRect/>
+          </a:stretch>
+        </p:blipFill>
+        <p:spPr>
+          <a:xfrm>
+            <a:off x="3975286" y="2979881"/>
+            <a:ext cx="8623114" cy="2797465"/>
+          </a:xfrm>
+          <a:prstGeom prst="rect">
+            <a:avLst/>
+          </a:prstGeom>
+        </p:spPr>
+      </p:pic>
+      <p:pic>
+        <p:nvPicPr>
+          <p:cNvPr id="6" name="图片 5"/>
+          <p:cNvPicPr>
+            <a:picLocks noChangeAspect="1"/>
+          </p:cNvPicPr>
+          <p:nvPr/>
+        </p:nvPicPr>
+        <p:blipFill>
+          <a:blip r:embed="rId3"/>
+          <a:stretch>
+            <a:fillRect/>
+          </a:stretch>
+        </p:blipFill>
+        <p:spPr>
+          <a:xfrm>
+            <a:off x="3975286" y="6199205"/>
+            <a:ext cx="8623114" cy="3367477"/>
+          </a:xfrm>
+          <a:prstGeom prst="rect">
+            <a:avLst/>
+          </a:prstGeom>
+        </p:spPr>
+      </p:pic>
+    </p:spTree>
+    <p:extLst>
+      <p:ext uri="{BB962C8B-B14F-4D97-AF65-F5344CB8AC3E}">
+        <p14:creationId xmlns:p14="http://schemas.microsoft.com/office/powerpoint/2010/main" val="2768382885"/>
+      </p:ext>
+    </p:extLst>
+  </p:cSld>
+  <p:clrMapOvr>
+    <a:masterClrMapping/>
+  </p:clrMapOvr>
+  <p:transition spd="med"/>
+  <p:timing>
+    <p:tnLst>
+      <p:par>
+        <p:cTn id="1" dur="indefinite" restart="never" nodeType="tmRoot"/>
+      </p:par>
+    </p:tnLst>
+  </p:timing>
+</p:sld>
+</file>
+
+<file path=ppt/slides/slide31.xml><?xml version="1.0" encoding="utf-8"?>
+<p:sld xmlns:a="http://schemas.openxmlformats.org/drawingml/2006/main" xmlns:r="http://schemas.openxmlformats.org/officeDocument/2006/relationships" xmlns:p="http://schemas.openxmlformats.org/presentationml/2006/main">
+  <p:cSld>
+    <p:spTree>
+      <p:nvGrpSpPr>
+        <p:cNvPr id="1" name=""/>
+        <p:cNvGrpSpPr/>
+        <p:nvPr/>
+      </p:nvGrpSpPr>
+      <p:grpSpPr>
+        <a:xfrm>
+          <a:off x="0" y="0"/>
+          <a:ext cx="0" cy="0"/>
+          <a:chOff x="0" y="0"/>
+          <a:chExt cx="0" cy="0"/>
+        </a:xfrm>
+      </p:grpSpPr>
+      <p:sp>
+        <p:nvSpPr>
+          <p:cNvPr id="2" name="文本占位符 1"/>
+          <p:cNvSpPr>
+            <a:spLocks noGrp="1"/>
+          </p:cNvSpPr>
+          <p:nvPr>
+            <p:ph type="body" sz="quarter" idx="13"/>
+          </p:nvPr>
+        </p:nvSpPr>
+        <p:spPr/>
+        <p:txBody>
+          <a:bodyPr/>
+          <a:lstStyle/>
+          <a:p>
+            <a:endParaRPr lang="zh-CN" altLang="en-US"/>
+          </a:p>
+        </p:txBody>
+      </p:sp>
+      <p:sp>
+        <p:nvSpPr>
+          <p:cNvPr id="3" name="标题 2"/>
+          <p:cNvSpPr>
+            <a:spLocks noGrp="1"/>
+          </p:cNvSpPr>
+          <p:nvPr>
+            <p:ph type="title"/>
+          </p:nvPr>
+        </p:nvSpPr>
+        <p:spPr/>
+        <p:txBody>
+          <a:bodyPr>
+            <a:normAutofit fontScale="90000"/>
+          </a:bodyPr>
+          <a:lstStyle/>
+          <a:p>
+            <a:r>
+              <a:rPr lang="zh-CN" altLang="en-US" dirty="0" smtClean="0"/>
+              <a:t>数据层存在的不足</a:t>
+            </a:r>
+            <a:endParaRPr lang="zh-CN" altLang="en-US" dirty="0"/>
+          </a:p>
+        </p:txBody>
+      </p:sp>
+      <p:sp>
+        <p:nvSpPr>
+          <p:cNvPr id="4" name="文本占位符 3"/>
+          <p:cNvSpPr>
+            <a:spLocks noGrp="1"/>
+          </p:cNvSpPr>
+          <p:nvPr>
+            <p:ph type="body" idx="1"/>
+          </p:nvPr>
+        </p:nvSpPr>
         <p:spPr>
           <a:xfrm>
             <a:off x="406400" y="2743201"/>
@@ -9055,7 +9438,7 @@
           </a:ln>
           <a:extLst>
             <a:ext uri="{C572A759-6A51-4108-AA02-DFA0A04FC94B}">
-              <ma14:wrappingTextBoxFlag xmlns:ma14="http://schemas.microsoft.com/office/mac/drawingml/2011/main" xmlns="" val="1"/>
+              <ma14:wrappingTextBoxFlag xmlns:ma14="http://schemas.microsoft.com/office/mac/drawingml/2011/main" val="1"/>
             </a:ext>
           </a:extLst>
         </p:spPr>
@@ -9357,7 +9740,7 @@
           </a:ln>
           <a:extLst>
             <a:ext uri="{C572A759-6A51-4108-AA02-DFA0A04FC94B}">
-              <ma14:wrappingTextBoxFlag xmlns:ma14="http://schemas.microsoft.com/office/mac/drawingml/2011/main" xmlns="" val="1"/>
+              <ma14:wrappingTextBoxFlag xmlns:ma14="http://schemas.microsoft.com/office/mac/drawingml/2011/main" val="1"/>
             </a:ext>
           </a:extLst>
         </p:spPr>
